--- a/magnetic_lens_monte_carlo/Lens Presentation, Sept 1.pptx
+++ b/magnetic_lens_monte_carlo/Lens Presentation, Sept 1.pptx
@@ -5,21 +5,19 @@
     <p:sldMasterId id="2147483648" r:id="rId1"/>
   </p:sldMasterIdLst>
   <p:notesMasterIdLst>
-    <p:notesMasterId r:id="rId14"/>
+    <p:notesMasterId r:id="rId12"/>
   </p:notesMasterIdLst>
   <p:sldIdLst>
     <p:sldId id="256" r:id="rId2"/>
     <p:sldId id="257" r:id="rId3"/>
-    <p:sldId id="259" r:id="rId4"/>
-    <p:sldId id="264" r:id="rId5"/>
-    <p:sldId id="262" r:id="rId6"/>
-    <p:sldId id="265" r:id="rId7"/>
-    <p:sldId id="274" r:id="rId8"/>
-    <p:sldId id="266" r:id="rId9"/>
-    <p:sldId id="267" r:id="rId10"/>
-    <p:sldId id="273" r:id="rId11"/>
-    <p:sldId id="270" r:id="rId12"/>
-    <p:sldId id="258" r:id="rId13"/>
+    <p:sldId id="264" r:id="rId4"/>
+    <p:sldId id="262" r:id="rId5"/>
+    <p:sldId id="274" r:id="rId6"/>
+    <p:sldId id="266" r:id="rId7"/>
+    <p:sldId id="267" r:id="rId8"/>
+    <p:sldId id="273" r:id="rId9"/>
+    <p:sldId id="270" r:id="rId10"/>
+    <p:sldId id="258" r:id="rId11"/>
   </p:sldIdLst>
   <p:sldSz cx="12192000" cy="6858000"/>
   <p:notesSz cx="6858000" cy="9144000"/>
@@ -208,7 +206,7 @@
           <a:p>
             <a:fld id="{32530104-FA4F-6A43-90A0-D2E342D84A23}" type="datetimeFigureOut">
               <a:rPr lang="en-US" smtClean="0"/>
-              <a:t>9/1/20</a:t>
+              <a:t>9/8/20</a:t>
             </a:fld>
             <a:endParaRPr lang="en-US"/>
           </a:p>
@@ -540,7 +538,7 @@
           <a:p>
             <a:fld id="{D2D45B7D-53CC-384D-BF3E-6E10B3C78ED9}" type="slidenum">
               <a:rPr lang="en-US" smtClean="0"/>
-              <a:t>4</a:t>
+              <a:t>3</a:t>
             </a:fld>
             <a:endParaRPr lang="en-US"/>
           </a:p>
@@ -624,7 +622,7 @@
           <a:p>
             <a:fld id="{D2D45B7D-53CC-384D-BF3E-6E10B3C78ED9}" type="slidenum">
               <a:rPr lang="en-US" smtClean="0"/>
-              <a:t>8</a:t>
+              <a:t>6</a:t>
             </a:fld>
             <a:endParaRPr lang="en-US"/>
           </a:p>
@@ -708,7 +706,7 @@
           <a:p>
             <a:fld id="{D2D45B7D-53CC-384D-BF3E-6E10B3C78ED9}" type="slidenum">
               <a:rPr lang="en-US" smtClean="0"/>
-              <a:t>11</a:t>
+              <a:t>9</a:t>
             </a:fld>
             <a:endParaRPr lang="en-US"/>
           </a:p>
@@ -874,7 +872,7 @@
           <a:p>
             <a:fld id="{A91873B2-FE48-E94D-A61C-39BAD4D07F7A}" type="datetimeFigureOut">
               <a:rPr lang="en-US" smtClean="0"/>
-              <a:t>9/1/20</a:t>
+              <a:t>9/8/20</a:t>
             </a:fld>
             <a:endParaRPr lang="en-US"/>
           </a:p>
@@ -1072,7 +1070,7 @@
           <a:p>
             <a:fld id="{A91873B2-FE48-E94D-A61C-39BAD4D07F7A}" type="datetimeFigureOut">
               <a:rPr lang="en-US" smtClean="0"/>
-              <a:t>9/1/20</a:t>
+              <a:t>9/8/20</a:t>
             </a:fld>
             <a:endParaRPr lang="en-US"/>
           </a:p>
@@ -1280,7 +1278,7 @@
           <a:p>
             <a:fld id="{A91873B2-FE48-E94D-A61C-39BAD4D07F7A}" type="datetimeFigureOut">
               <a:rPr lang="en-US" smtClean="0"/>
-              <a:t>9/1/20</a:t>
+              <a:t>9/8/20</a:t>
             </a:fld>
             <a:endParaRPr lang="en-US"/>
           </a:p>
@@ -1478,7 +1476,7 @@
           <a:p>
             <a:fld id="{A91873B2-FE48-E94D-A61C-39BAD4D07F7A}" type="datetimeFigureOut">
               <a:rPr lang="en-US" smtClean="0"/>
-              <a:t>9/1/20</a:t>
+              <a:t>9/8/20</a:t>
             </a:fld>
             <a:endParaRPr lang="en-US"/>
           </a:p>
@@ -1753,7 +1751,7 @@
           <a:p>
             <a:fld id="{A91873B2-FE48-E94D-A61C-39BAD4D07F7A}" type="datetimeFigureOut">
               <a:rPr lang="en-US" smtClean="0"/>
-              <a:t>9/1/20</a:t>
+              <a:t>9/8/20</a:t>
             </a:fld>
             <a:endParaRPr lang="en-US"/>
           </a:p>
@@ -2018,7 +2016,7 @@
           <a:p>
             <a:fld id="{A91873B2-FE48-E94D-A61C-39BAD4D07F7A}" type="datetimeFigureOut">
               <a:rPr lang="en-US" smtClean="0"/>
-              <a:t>9/1/20</a:t>
+              <a:t>9/8/20</a:t>
             </a:fld>
             <a:endParaRPr lang="en-US"/>
           </a:p>
@@ -2430,7 +2428,7 @@
           <a:p>
             <a:fld id="{A91873B2-FE48-E94D-A61C-39BAD4D07F7A}" type="datetimeFigureOut">
               <a:rPr lang="en-US" smtClean="0"/>
-              <a:t>9/1/20</a:t>
+              <a:t>9/8/20</a:t>
             </a:fld>
             <a:endParaRPr lang="en-US"/>
           </a:p>
@@ -2571,7 +2569,7 @@
           <a:p>
             <a:fld id="{A91873B2-FE48-E94D-A61C-39BAD4D07F7A}" type="datetimeFigureOut">
               <a:rPr lang="en-US" smtClean="0"/>
-              <a:t>9/1/20</a:t>
+              <a:t>9/8/20</a:t>
             </a:fld>
             <a:endParaRPr lang="en-US"/>
           </a:p>
@@ -2684,7 +2682,7 @@
           <a:p>
             <a:fld id="{A91873B2-FE48-E94D-A61C-39BAD4D07F7A}" type="datetimeFigureOut">
               <a:rPr lang="en-US" smtClean="0"/>
-              <a:t>9/1/20</a:t>
+              <a:t>9/8/20</a:t>
             </a:fld>
             <a:endParaRPr lang="en-US"/>
           </a:p>
@@ -2995,7 +2993,7 @@
           <a:p>
             <a:fld id="{A91873B2-FE48-E94D-A61C-39BAD4D07F7A}" type="datetimeFigureOut">
               <a:rPr lang="en-US" smtClean="0"/>
-              <a:t>9/1/20</a:t>
+              <a:t>9/8/20</a:t>
             </a:fld>
             <a:endParaRPr lang="en-US"/>
           </a:p>
@@ -3283,7 +3281,7 @@
           <a:p>
             <a:fld id="{A91873B2-FE48-E94D-A61C-39BAD4D07F7A}" type="datetimeFigureOut">
               <a:rPr lang="en-US" smtClean="0"/>
-              <a:t>9/1/20</a:t>
+              <a:t>9/8/20</a:t>
             </a:fld>
             <a:endParaRPr lang="en-US"/>
           </a:p>
@@ -3524,7 +3522,7 @@
           <a:p>
             <a:fld id="{A91873B2-FE48-E94D-A61C-39BAD4D07F7A}" type="datetimeFigureOut">
               <a:rPr lang="en-US" smtClean="0"/>
-              <a:t>9/1/20</a:t>
+              <a:t>9/8/20</a:t>
             </a:fld>
             <a:endParaRPr lang="en-US"/>
           </a:p>
@@ -3971,7 +3969,7 @@
           <a:p>
             <a:r>
               <a:rPr lang="en-US" dirty="0"/>
-              <a:t>Lens Update: Parameter Scan, Double Lens</a:t>
+              <a:t>Lens Update: Parameter Scan, Two Lenses</a:t>
             </a:r>
           </a:p>
         </p:txBody>
@@ -4004,21 +4002,13 @@
           <a:p>
             <a:r>
               <a:rPr lang="en-US" dirty="0"/>
-              <a:t>YbOH/CaOH Subgroup Meeting</a:t>
+              <a:t>CaOH Subgroup Meeting</a:t>
             </a:r>
           </a:p>
           <a:p>
             <a:r>
               <a:rPr lang="en-US" dirty="0"/>
-              <a:t>Thursday, </a:t>
-            </a:r>
-            <a:r>
-              <a:rPr lang="en-US"/>
-              <a:t>September 3, </a:t>
-            </a:r>
-            <a:r>
-              <a:rPr lang="en-US" dirty="0"/>
-              <a:t>2020</a:t>
+              <a:t>Tuesday, September 8, 2020</a:t>
             </a:r>
           </a:p>
         </p:txBody>
@@ -4058,1055 +4048,6 @@
           <p:cNvPr id="2" name="Title 1">
             <a:extLst>
               <a:ext uri="{FF2B5EF4-FFF2-40B4-BE49-F238E27FC236}">
-                <a16:creationId xmlns:a16="http://schemas.microsoft.com/office/drawing/2014/main" id="{AFEF46F3-E7B6-9F4F-B4AB-5FAD8DB0C0A9}"/>
-              </a:ext>
-            </a:extLst>
-          </p:cNvPr>
-          <p:cNvSpPr>
-            <a:spLocks noGrp="1"/>
-          </p:cNvSpPr>
-          <p:nvPr>
-            <p:ph type="title"/>
-          </p:nvPr>
-        </p:nvSpPr>
-        <p:spPr/>
-        <p:txBody>
-          <a:bodyPr/>
-          <a:lstStyle/>
-          <a:p>
-            <a:r>
-              <a:rPr lang="en-US" dirty="0"/>
-              <a:t>In The Works</a:t>
-            </a:r>
-          </a:p>
-        </p:txBody>
-      </p:sp>
-      <p:sp>
-        <p:nvSpPr>
-          <p:cNvPr id="3" name="Content Placeholder 2">
-            <a:extLst>
-              <a:ext uri="{FF2B5EF4-FFF2-40B4-BE49-F238E27FC236}">
-                <a16:creationId xmlns:a16="http://schemas.microsoft.com/office/drawing/2014/main" id="{AF88B8AF-0719-FE47-A6F2-01B5FE14D1F9}"/>
-              </a:ext>
-            </a:extLst>
-          </p:cNvPr>
-          <p:cNvSpPr>
-            <a:spLocks noGrp="1"/>
-          </p:cNvSpPr>
-          <p:nvPr>
-            <p:ph idx="1"/>
-          </p:nvPr>
-        </p:nvSpPr>
-        <p:spPr/>
-        <p:txBody>
-          <a:bodyPr/>
-          <a:lstStyle/>
-          <a:p>
-            <a:r>
-              <a:rPr lang="en-US" dirty="0"/>
-              <a:t>Further Tune-Ups</a:t>
-            </a:r>
-          </a:p>
-          <a:p>
-            <a:r>
-              <a:rPr lang="en-US" dirty="0"/>
-              <a:t>Double Lens Scan with 2 successive lenses</a:t>
-            </a:r>
-          </a:p>
-          <a:p>
-            <a:r>
-              <a:rPr lang="en-US" dirty="0"/>
-              <a:t>Zeeman-Sisyphus</a:t>
-            </a:r>
-          </a:p>
-          <a:p>
-            <a:pPr lvl="1"/>
-            <a:r>
-              <a:rPr lang="en-US" dirty="0"/>
-              <a:t>Simple analytical form of B-field</a:t>
-            </a:r>
-          </a:p>
-          <a:p>
-            <a:pPr lvl="1"/>
-            <a:r>
-              <a:rPr lang="en-US" dirty="0"/>
-              <a:t>Accurate B-field model, spin sign change with optical pumping </a:t>
-            </a:r>
-            <a:r>
-              <a:rPr lang="en-US" dirty="0">
-                <a:sym typeface="Wingdings" pitchFamily="2" charset="2"/>
-              </a:rPr>
-              <a:t> slowing</a:t>
-            </a:r>
-            <a:endParaRPr lang="en-US" dirty="0"/>
-          </a:p>
-        </p:txBody>
-      </p:sp>
-    </p:spTree>
-    <p:extLst>
-      <p:ext uri="{BB962C8B-B14F-4D97-AF65-F5344CB8AC3E}">
-        <p14:creationId xmlns:p14="http://schemas.microsoft.com/office/powerpoint/2010/main" val="1298420144"/>
-      </p:ext>
-    </p:extLst>
-  </p:cSld>
-  <p:clrMapOvr>
-    <a:masterClrMapping/>
-  </p:clrMapOvr>
-</p:sld>
-</file>
-
-<file path=ppt/slides/slide11.xml><?xml version="1.0" encoding="utf-8"?>
-<p:sld xmlns:a="http://schemas.openxmlformats.org/drawingml/2006/main" xmlns:r="http://schemas.openxmlformats.org/officeDocument/2006/relationships" xmlns:p="http://schemas.openxmlformats.org/presentationml/2006/main">
-  <p:cSld>
-    <p:spTree>
-      <p:nvGrpSpPr>
-        <p:cNvPr id="1" name=""/>
-        <p:cNvGrpSpPr/>
-        <p:nvPr/>
-      </p:nvGrpSpPr>
-      <p:grpSpPr>
-        <a:xfrm>
-          <a:off x="0" y="0"/>
-          <a:ext cx="0" cy="0"/>
-          <a:chOff x="0" y="0"/>
-          <a:chExt cx="0" cy="0"/>
-        </a:xfrm>
-      </p:grpSpPr>
-      <p:sp>
-        <p:nvSpPr>
-          <p:cNvPr id="2" name="Title 1">
-            <a:extLst>
-              <a:ext uri="{FF2B5EF4-FFF2-40B4-BE49-F238E27FC236}">
-                <a16:creationId xmlns:a16="http://schemas.microsoft.com/office/drawing/2014/main" id="{7A537DD1-114B-9C43-B3F0-CC215BA1ACD1}"/>
-              </a:ext>
-            </a:extLst>
-          </p:cNvPr>
-          <p:cNvSpPr>
-            <a:spLocks noGrp="1"/>
-          </p:cNvSpPr>
-          <p:nvPr>
-            <p:ph type="title"/>
-          </p:nvPr>
-        </p:nvSpPr>
-        <p:spPr>
-          <a:xfrm>
-            <a:off x="472962" y="365124"/>
-            <a:ext cx="11506199" cy="1325563"/>
-          </a:xfrm>
-        </p:spPr>
-        <p:txBody>
-          <a:bodyPr/>
-          <a:lstStyle/>
-          <a:p>
-            <a:r>
-              <a:rPr lang="en-US" dirty="0"/>
-              <a:t>Experimental Setup: Zeeman-Sisyphus Preliminary</a:t>
-            </a:r>
-          </a:p>
-        </p:txBody>
-      </p:sp>
-      <p:sp>
-        <p:nvSpPr>
-          <p:cNvPr id="4" name="Rectangle 3">
-            <a:extLst>
-              <a:ext uri="{FF2B5EF4-FFF2-40B4-BE49-F238E27FC236}">
-                <a16:creationId xmlns:a16="http://schemas.microsoft.com/office/drawing/2014/main" id="{9A060907-149F-BC48-B8AA-DD2B5C1D7E60}"/>
-              </a:ext>
-            </a:extLst>
-          </p:cNvPr>
-          <p:cNvSpPr/>
-          <p:nvPr/>
-        </p:nvSpPr>
-        <p:spPr>
-          <a:xfrm>
-            <a:off x="472962" y="3258207"/>
-            <a:ext cx="1093076" cy="840827"/>
-          </a:xfrm>
-          <a:prstGeom prst="rect">
-            <a:avLst/>
-          </a:prstGeom>
-          <a:solidFill>
-            <a:schemeClr val="tx2">
-              <a:lumMod val="50000"/>
-            </a:schemeClr>
-          </a:solidFill>
-        </p:spPr>
-        <p:style>
-          <a:lnRef idx="2">
-            <a:schemeClr val="accent1">
-              <a:shade val="50000"/>
-            </a:schemeClr>
-          </a:lnRef>
-          <a:fillRef idx="1">
-            <a:schemeClr val="accent1"/>
-          </a:fillRef>
-          <a:effectRef idx="0">
-            <a:schemeClr val="accent1"/>
-          </a:effectRef>
-          <a:fontRef idx="minor">
-            <a:schemeClr val="lt1"/>
-          </a:fontRef>
-        </p:style>
-        <p:txBody>
-          <a:bodyPr rtlCol="0" anchor="ctr"/>
-          <a:lstStyle/>
-          <a:p>
-            <a:pPr algn="ctr"/>
-            <a:r>
-              <a:rPr lang="en-US" dirty="0"/>
-              <a:t>Cell</a:t>
-            </a:r>
-          </a:p>
-        </p:txBody>
-      </p:sp>
-      <p:cxnSp>
-        <p:nvCxnSpPr>
-          <p:cNvPr id="6" name="Straight Connector 5">
-            <a:extLst>
-              <a:ext uri="{FF2B5EF4-FFF2-40B4-BE49-F238E27FC236}">
-                <a16:creationId xmlns:a16="http://schemas.microsoft.com/office/drawing/2014/main" id="{DAB5175B-DF91-7241-B813-7F416481E653}"/>
-              </a:ext>
-            </a:extLst>
-          </p:cNvPr>
-          <p:cNvCxnSpPr/>
-          <p:nvPr/>
-        </p:nvCxnSpPr>
-        <p:spPr>
-          <a:xfrm>
-            <a:off x="2869320" y="3908371"/>
-            <a:ext cx="0" cy="1738312"/>
-          </a:xfrm>
-          <a:prstGeom prst="line">
-            <a:avLst/>
-          </a:prstGeom>
-          <a:ln w="57150">
-            <a:solidFill>
-              <a:schemeClr val="tx2">
-                <a:lumMod val="60000"/>
-                <a:lumOff val="40000"/>
-              </a:schemeClr>
-            </a:solidFill>
-          </a:ln>
-        </p:spPr>
-        <p:style>
-          <a:lnRef idx="1">
-            <a:schemeClr val="accent1"/>
-          </a:lnRef>
-          <a:fillRef idx="0">
-            <a:schemeClr val="accent1"/>
-          </a:fillRef>
-          <a:effectRef idx="0">
-            <a:schemeClr val="accent1"/>
-          </a:effectRef>
-          <a:fontRef idx="minor">
-            <a:schemeClr val="tx1"/>
-          </a:fontRef>
-        </p:style>
-      </p:cxnSp>
-      <p:cxnSp>
-        <p:nvCxnSpPr>
-          <p:cNvPr id="7" name="Straight Connector 6">
-            <a:extLst>
-              <a:ext uri="{FF2B5EF4-FFF2-40B4-BE49-F238E27FC236}">
-                <a16:creationId xmlns:a16="http://schemas.microsoft.com/office/drawing/2014/main" id="{4889B99B-97CB-A74B-8291-06713FFB8449}"/>
-              </a:ext>
-            </a:extLst>
-          </p:cNvPr>
-          <p:cNvCxnSpPr/>
-          <p:nvPr/>
-        </p:nvCxnSpPr>
-        <p:spPr>
-          <a:xfrm>
-            <a:off x="2879831" y="1669668"/>
-            <a:ext cx="0" cy="1738312"/>
-          </a:xfrm>
-          <a:prstGeom prst="line">
-            <a:avLst/>
-          </a:prstGeom>
-          <a:ln w="57150">
-            <a:solidFill>
-              <a:schemeClr val="tx2">
-                <a:lumMod val="60000"/>
-                <a:lumOff val="40000"/>
-              </a:schemeClr>
-            </a:solidFill>
-          </a:ln>
-        </p:spPr>
-        <p:style>
-          <a:lnRef idx="1">
-            <a:schemeClr val="accent1"/>
-          </a:lnRef>
-          <a:fillRef idx="0">
-            <a:schemeClr val="accent1"/>
-          </a:fillRef>
-          <a:effectRef idx="0">
-            <a:schemeClr val="accent1"/>
-          </a:effectRef>
-          <a:fontRef idx="minor">
-            <a:schemeClr val="tx1"/>
-          </a:fontRef>
-        </p:style>
-      </p:cxnSp>
-      <p:sp>
-        <p:nvSpPr>
-          <p:cNvPr id="8" name="Rectangle 7">
-            <a:extLst>
-              <a:ext uri="{FF2B5EF4-FFF2-40B4-BE49-F238E27FC236}">
-                <a16:creationId xmlns:a16="http://schemas.microsoft.com/office/drawing/2014/main" id="{7D80AB23-EE90-CC40-AC5E-FA28F1B6F13F}"/>
-              </a:ext>
-            </a:extLst>
-          </p:cNvPr>
-          <p:cNvSpPr/>
-          <p:nvPr/>
-        </p:nvSpPr>
-        <p:spPr>
-          <a:xfrm>
-            <a:off x="4698119" y="3258207"/>
-            <a:ext cx="840799" cy="840827"/>
-          </a:xfrm>
-          <a:prstGeom prst="rect">
-            <a:avLst/>
-          </a:prstGeom>
-          <a:solidFill>
-            <a:schemeClr val="tx2">
-              <a:lumMod val="50000"/>
-            </a:schemeClr>
-          </a:solidFill>
-        </p:spPr>
-        <p:style>
-          <a:lnRef idx="2">
-            <a:schemeClr val="accent1">
-              <a:shade val="50000"/>
-            </a:schemeClr>
-          </a:lnRef>
-          <a:fillRef idx="1">
-            <a:schemeClr val="accent1"/>
-          </a:fillRef>
-          <a:effectRef idx="0">
-            <a:schemeClr val="accent1"/>
-          </a:effectRef>
-          <a:fontRef idx="minor">
-            <a:schemeClr val="lt1"/>
-          </a:fontRef>
-        </p:style>
-        <p:txBody>
-          <a:bodyPr rtlCol="0" anchor="ctr"/>
-          <a:lstStyle/>
-          <a:p>
-            <a:pPr algn="ctr"/>
-            <a:r>
-              <a:rPr lang="en-US" dirty="0"/>
-              <a:t>Lens</a:t>
-            </a:r>
-          </a:p>
-        </p:txBody>
-      </p:sp>
-      <p:cxnSp>
-        <p:nvCxnSpPr>
-          <p:cNvPr id="9" name="Straight Connector 8">
-            <a:extLst>
-              <a:ext uri="{FF2B5EF4-FFF2-40B4-BE49-F238E27FC236}">
-                <a16:creationId xmlns:a16="http://schemas.microsoft.com/office/drawing/2014/main" id="{925FC6F4-E277-E041-8F16-E15E553A62D7}"/>
-              </a:ext>
-            </a:extLst>
-          </p:cNvPr>
-          <p:cNvCxnSpPr>
-            <a:cxnSpLocks/>
-          </p:cNvCxnSpPr>
-          <p:nvPr/>
-        </p:nvCxnSpPr>
-        <p:spPr>
-          <a:xfrm>
-            <a:off x="7577954" y="4099034"/>
-            <a:ext cx="0" cy="1537138"/>
-          </a:xfrm>
-          <a:prstGeom prst="line">
-            <a:avLst/>
-          </a:prstGeom>
-          <a:ln w="57150">
-            <a:solidFill>
-              <a:schemeClr val="tx2">
-                <a:lumMod val="60000"/>
-                <a:lumOff val="40000"/>
-              </a:schemeClr>
-            </a:solidFill>
-          </a:ln>
-        </p:spPr>
-        <p:style>
-          <a:lnRef idx="1">
-            <a:schemeClr val="accent1"/>
-          </a:lnRef>
-          <a:fillRef idx="0">
-            <a:schemeClr val="accent1"/>
-          </a:fillRef>
-          <a:effectRef idx="0">
-            <a:schemeClr val="accent1"/>
-          </a:effectRef>
-          <a:fontRef idx="minor">
-            <a:schemeClr val="tx1"/>
-          </a:fontRef>
-        </p:style>
-      </p:cxnSp>
-      <p:cxnSp>
-        <p:nvCxnSpPr>
-          <p:cNvPr id="10" name="Straight Connector 9">
-            <a:extLst>
-              <a:ext uri="{FF2B5EF4-FFF2-40B4-BE49-F238E27FC236}">
-                <a16:creationId xmlns:a16="http://schemas.microsoft.com/office/drawing/2014/main" id="{B90EFB20-7DA1-E84E-9823-BAA25EBA1449}"/>
-              </a:ext>
-            </a:extLst>
-          </p:cNvPr>
-          <p:cNvCxnSpPr>
-            <a:cxnSpLocks/>
-          </p:cNvCxnSpPr>
-          <p:nvPr/>
-        </p:nvCxnSpPr>
-        <p:spPr>
-          <a:xfrm>
-            <a:off x="7588465" y="1690687"/>
-            <a:ext cx="0" cy="1444399"/>
-          </a:xfrm>
-          <a:prstGeom prst="line">
-            <a:avLst/>
-          </a:prstGeom>
-          <a:ln w="57150">
-            <a:solidFill>
-              <a:schemeClr val="tx2">
-                <a:lumMod val="60000"/>
-                <a:lumOff val="40000"/>
-              </a:schemeClr>
-            </a:solidFill>
-          </a:ln>
-        </p:spPr>
-        <p:style>
-          <a:lnRef idx="1">
-            <a:schemeClr val="accent1"/>
-          </a:lnRef>
-          <a:fillRef idx="0">
-            <a:schemeClr val="accent1"/>
-          </a:fillRef>
-          <a:effectRef idx="0">
-            <a:schemeClr val="accent1"/>
-          </a:effectRef>
-          <a:fontRef idx="minor">
-            <a:schemeClr val="tx1"/>
-          </a:fontRef>
-        </p:style>
-      </p:cxnSp>
-      <p:sp>
-        <p:nvSpPr>
-          <p:cNvPr id="11" name="Rectangle 10">
-            <a:extLst>
-              <a:ext uri="{FF2B5EF4-FFF2-40B4-BE49-F238E27FC236}">
-                <a16:creationId xmlns:a16="http://schemas.microsoft.com/office/drawing/2014/main" id="{65CEE192-CC0A-3547-8503-CD77DCCCDE73}"/>
-              </a:ext>
-            </a:extLst>
-          </p:cNvPr>
-          <p:cNvSpPr/>
-          <p:nvPr/>
-        </p:nvSpPr>
-        <p:spPr>
-          <a:xfrm>
-            <a:off x="10384216" y="3258207"/>
-            <a:ext cx="1292772" cy="840827"/>
-          </a:xfrm>
-          <a:prstGeom prst="rect">
-            <a:avLst/>
-          </a:prstGeom>
-          <a:solidFill>
-            <a:schemeClr val="tx2"/>
-          </a:solidFill>
-        </p:spPr>
-        <p:style>
-          <a:lnRef idx="2">
-            <a:schemeClr val="accent1">
-              <a:shade val="50000"/>
-            </a:schemeClr>
-          </a:lnRef>
-          <a:fillRef idx="1">
-            <a:schemeClr val="accent1"/>
-          </a:fillRef>
-          <a:effectRef idx="0">
-            <a:schemeClr val="accent1"/>
-          </a:effectRef>
-          <a:fontRef idx="minor">
-            <a:schemeClr val="lt1"/>
-          </a:fontRef>
-        </p:style>
-        <p:txBody>
-          <a:bodyPr rtlCol="0" anchor="ctr"/>
-          <a:lstStyle/>
-          <a:p>
-            <a:pPr algn="ctr"/>
-            <a:r>
-              <a:rPr lang="en-US" dirty="0"/>
-              <a:t>MOT Region</a:t>
-            </a:r>
-          </a:p>
-        </p:txBody>
-      </p:sp>
-      <p:sp>
-        <p:nvSpPr>
-          <p:cNvPr id="12" name="TextBox 11">
-            <a:extLst>
-              <a:ext uri="{FF2B5EF4-FFF2-40B4-BE49-F238E27FC236}">
-                <a16:creationId xmlns:a16="http://schemas.microsoft.com/office/drawing/2014/main" id="{D93D54EB-EFD1-6E4C-AD96-C6DFF8BA62E2}"/>
-              </a:ext>
-            </a:extLst>
-          </p:cNvPr>
-          <p:cNvSpPr txBox="1"/>
-          <p:nvPr/>
-        </p:nvSpPr>
-        <p:spPr>
-          <a:xfrm>
-            <a:off x="2900852" y="1786759"/>
-            <a:ext cx="1156121" cy="923330"/>
-          </a:xfrm>
-          <a:prstGeom prst="rect">
-            <a:avLst/>
-          </a:prstGeom>
-          <a:noFill/>
-        </p:spPr>
-        <p:txBody>
-          <a:bodyPr wrap="square" rtlCol="0">
-            <a:spAutoFit/>
-          </a:bodyPr>
-          <a:lstStyle/>
-          <a:p>
-            <a:r>
-              <a:rPr lang="en-US" dirty="0"/>
-              <a:t>4K Aperture,</a:t>
-            </a:r>
-          </a:p>
-          <a:p>
-            <a:r>
-              <a:rPr lang="en-US" dirty="0"/>
-              <a:t>1 cm</a:t>
-            </a:r>
-          </a:p>
-        </p:txBody>
-      </p:sp>
-      <p:sp>
-        <p:nvSpPr>
-          <p:cNvPr id="13" name="TextBox 12">
-            <a:extLst>
-              <a:ext uri="{FF2B5EF4-FFF2-40B4-BE49-F238E27FC236}">
-                <a16:creationId xmlns:a16="http://schemas.microsoft.com/office/drawing/2014/main" id="{C0CCEC76-B20B-884C-ADD3-1466EF0E4DA6}"/>
-              </a:ext>
-            </a:extLst>
-          </p:cNvPr>
-          <p:cNvSpPr txBox="1"/>
-          <p:nvPr/>
-        </p:nvSpPr>
-        <p:spPr>
-          <a:xfrm>
-            <a:off x="7609489" y="1797270"/>
-            <a:ext cx="1156121" cy="923330"/>
-          </a:xfrm>
-          <a:prstGeom prst="rect">
-            <a:avLst/>
-          </a:prstGeom>
-          <a:noFill/>
-        </p:spPr>
-        <p:txBody>
-          <a:bodyPr wrap="square" rtlCol="0">
-            <a:spAutoFit/>
-          </a:bodyPr>
-          <a:lstStyle/>
-          <a:p>
-            <a:r>
-              <a:rPr lang="en-US" dirty="0"/>
-              <a:t>Beam Shutter,</a:t>
-            </a:r>
-          </a:p>
-          <a:p>
-            <a:r>
-              <a:rPr lang="en-US" dirty="0"/>
-              <a:t>1.4 cm</a:t>
-            </a:r>
-          </a:p>
-        </p:txBody>
-      </p:sp>
-      <p:cxnSp>
-        <p:nvCxnSpPr>
-          <p:cNvPr id="15" name="Straight Arrow Connector 14">
-            <a:extLst>
-              <a:ext uri="{FF2B5EF4-FFF2-40B4-BE49-F238E27FC236}">
-                <a16:creationId xmlns:a16="http://schemas.microsoft.com/office/drawing/2014/main" id="{CD88B708-A705-1440-9B42-F9F62BE72DE8}"/>
-              </a:ext>
-            </a:extLst>
-          </p:cNvPr>
-          <p:cNvCxnSpPr>
-            <a:cxnSpLocks/>
-            <a:stCxn id="4" idx="3"/>
-          </p:cNvCxnSpPr>
-          <p:nvPr/>
-        </p:nvCxnSpPr>
-        <p:spPr>
-          <a:xfrm>
-            <a:off x="1566038" y="3678621"/>
-            <a:ext cx="1313793" cy="0"/>
-          </a:xfrm>
-          <a:prstGeom prst="straightConnector1">
-            <a:avLst/>
-          </a:prstGeom>
-          <a:ln>
-            <a:headEnd type="triangle"/>
-            <a:tailEnd type="triangle"/>
-          </a:ln>
-        </p:spPr>
-        <p:style>
-          <a:lnRef idx="1">
-            <a:schemeClr val="accent1"/>
-          </a:lnRef>
-          <a:fillRef idx="0">
-            <a:schemeClr val="accent1"/>
-          </a:fillRef>
-          <a:effectRef idx="0">
-            <a:schemeClr val="accent1"/>
-          </a:effectRef>
-          <a:fontRef idx="minor">
-            <a:schemeClr val="tx1"/>
-          </a:fontRef>
-        </p:style>
-      </p:cxnSp>
-      <p:sp>
-        <p:nvSpPr>
-          <p:cNvPr id="16" name="TextBox 15">
-            <a:extLst>
-              <a:ext uri="{FF2B5EF4-FFF2-40B4-BE49-F238E27FC236}">
-                <a16:creationId xmlns:a16="http://schemas.microsoft.com/office/drawing/2014/main" id="{11BAF27D-CF48-F543-9CDA-C6380D1C65A6}"/>
-              </a:ext>
-            </a:extLst>
-          </p:cNvPr>
-          <p:cNvSpPr txBox="1"/>
-          <p:nvPr/>
-        </p:nvSpPr>
-        <p:spPr>
-          <a:xfrm>
-            <a:off x="1855068" y="3369145"/>
-            <a:ext cx="840801" cy="369332"/>
-          </a:xfrm>
-          <a:prstGeom prst="rect">
-            <a:avLst/>
-          </a:prstGeom>
-          <a:noFill/>
-        </p:spPr>
-        <p:txBody>
-          <a:bodyPr wrap="square" rtlCol="0">
-            <a:spAutoFit/>
-          </a:bodyPr>
-          <a:lstStyle/>
-          <a:p>
-            <a:r>
-              <a:rPr lang="en-US" dirty="0"/>
-              <a:t> 10 cm</a:t>
-            </a:r>
-          </a:p>
-        </p:txBody>
-      </p:sp>
-      <p:cxnSp>
-        <p:nvCxnSpPr>
-          <p:cNvPr id="20" name="Straight Arrow Connector 19">
-            <a:extLst>
-              <a:ext uri="{FF2B5EF4-FFF2-40B4-BE49-F238E27FC236}">
-                <a16:creationId xmlns:a16="http://schemas.microsoft.com/office/drawing/2014/main" id="{CBB309B8-E214-4C4D-BFB4-6FF82FFC4D0A}"/>
-              </a:ext>
-            </a:extLst>
-          </p:cNvPr>
-          <p:cNvCxnSpPr>
-            <a:cxnSpLocks/>
-            <a:stCxn id="8" idx="3"/>
-            <a:endCxn id="11" idx="1"/>
-          </p:cNvCxnSpPr>
-          <p:nvPr/>
-        </p:nvCxnSpPr>
-        <p:spPr>
-          <a:xfrm>
-            <a:off x="5538918" y="3678621"/>
-            <a:ext cx="4845298" cy="0"/>
-          </a:xfrm>
-          <a:prstGeom prst="straightConnector1">
-            <a:avLst/>
-          </a:prstGeom>
-          <a:ln>
-            <a:headEnd type="triangle"/>
-            <a:tailEnd type="triangle"/>
-          </a:ln>
-        </p:spPr>
-        <p:style>
-          <a:lnRef idx="1">
-            <a:schemeClr val="accent1"/>
-          </a:lnRef>
-          <a:fillRef idx="0">
-            <a:schemeClr val="accent1"/>
-          </a:fillRef>
-          <a:effectRef idx="0">
-            <a:schemeClr val="accent1"/>
-          </a:effectRef>
-          <a:fontRef idx="minor">
-            <a:schemeClr val="tx1"/>
-          </a:fontRef>
-        </p:style>
-      </p:cxnSp>
-      <p:sp>
-        <p:nvSpPr>
-          <p:cNvPr id="21" name="TextBox 20">
-            <a:extLst>
-              <a:ext uri="{FF2B5EF4-FFF2-40B4-BE49-F238E27FC236}">
-                <a16:creationId xmlns:a16="http://schemas.microsoft.com/office/drawing/2014/main" id="{2EF2960E-5057-FD4E-A939-48B0A8F32F79}"/>
-              </a:ext>
-            </a:extLst>
-          </p:cNvPr>
-          <p:cNvSpPr txBox="1"/>
-          <p:nvPr/>
-        </p:nvSpPr>
-        <p:spPr>
-          <a:xfrm>
-            <a:off x="4666598" y="2685973"/>
-            <a:ext cx="987964" cy="369332"/>
-          </a:xfrm>
-          <a:prstGeom prst="rect">
-            <a:avLst/>
-          </a:prstGeom>
-          <a:noFill/>
-        </p:spPr>
-        <p:txBody>
-          <a:bodyPr wrap="square" rtlCol="0">
-            <a:spAutoFit/>
-          </a:bodyPr>
-          <a:lstStyle/>
-          <a:p>
-            <a:r>
-              <a:rPr lang="en-US" dirty="0"/>
-              <a:t>2.54 cm</a:t>
-            </a:r>
-          </a:p>
-        </p:txBody>
-      </p:sp>
-      <p:cxnSp>
-        <p:nvCxnSpPr>
-          <p:cNvPr id="22" name="Straight Arrow Connector 21">
-            <a:extLst>
-              <a:ext uri="{FF2B5EF4-FFF2-40B4-BE49-F238E27FC236}">
-                <a16:creationId xmlns:a16="http://schemas.microsoft.com/office/drawing/2014/main" id="{C26CEE9B-2528-C042-A9F8-8C692E10D891}"/>
-              </a:ext>
-            </a:extLst>
-          </p:cNvPr>
-          <p:cNvCxnSpPr>
-            <a:cxnSpLocks/>
-          </p:cNvCxnSpPr>
-          <p:nvPr/>
-        </p:nvCxnSpPr>
-        <p:spPr>
-          <a:xfrm>
-            <a:off x="4698101" y="3016469"/>
-            <a:ext cx="840817" cy="0"/>
-          </a:xfrm>
-          <a:prstGeom prst="straightConnector1">
-            <a:avLst/>
-          </a:prstGeom>
-          <a:ln>
-            <a:headEnd type="triangle"/>
-            <a:tailEnd type="triangle"/>
-          </a:ln>
-        </p:spPr>
-        <p:style>
-          <a:lnRef idx="1">
-            <a:schemeClr val="accent1"/>
-          </a:lnRef>
-          <a:fillRef idx="0">
-            <a:schemeClr val="accent1"/>
-          </a:fillRef>
-          <a:effectRef idx="0">
-            <a:schemeClr val="accent1"/>
-          </a:effectRef>
-          <a:fontRef idx="minor">
-            <a:schemeClr val="tx1"/>
-          </a:fontRef>
-        </p:style>
-      </p:cxnSp>
-      <p:sp>
-        <p:nvSpPr>
-          <p:cNvPr id="25" name="TextBox 24">
-            <a:extLst>
-              <a:ext uri="{FF2B5EF4-FFF2-40B4-BE49-F238E27FC236}">
-                <a16:creationId xmlns:a16="http://schemas.microsoft.com/office/drawing/2014/main" id="{9D6B92D4-7EBF-A74B-98B0-BD10C71270BD}"/>
-              </a:ext>
-            </a:extLst>
-          </p:cNvPr>
-          <p:cNvSpPr txBox="1"/>
-          <p:nvPr/>
-        </p:nvSpPr>
-        <p:spPr>
-          <a:xfrm>
-            <a:off x="7241628" y="3369145"/>
-            <a:ext cx="987964" cy="369332"/>
-          </a:xfrm>
-          <a:prstGeom prst="rect">
-            <a:avLst/>
-          </a:prstGeom>
-          <a:noFill/>
-        </p:spPr>
-        <p:txBody>
-          <a:bodyPr wrap="square" rtlCol="0">
-            <a:spAutoFit/>
-          </a:bodyPr>
-          <a:lstStyle/>
-          <a:p>
-            <a:r>
-              <a:rPr lang="en-US" dirty="0"/>
-              <a:t>32 cm</a:t>
-            </a:r>
-          </a:p>
-        </p:txBody>
-      </p:sp>
-      <p:cxnSp>
-        <p:nvCxnSpPr>
-          <p:cNvPr id="19" name="Straight Arrow Connector 18">
-            <a:extLst>
-              <a:ext uri="{FF2B5EF4-FFF2-40B4-BE49-F238E27FC236}">
-                <a16:creationId xmlns:a16="http://schemas.microsoft.com/office/drawing/2014/main" id="{4062CB9C-99C4-0943-818A-5FF1FA7357FF}"/>
-              </a:ext>
-            </a:extLst>
-          </p:cNvPr>
-          <p:cNvCxnSpPr>
-            <a:cxnSpLocks/>
-            <a:endCxn id="8" idx="1"/>
-          </p:cNvCxnSpPr>
-          <p:nvPr/>
-        </p:nvCxnSpPr>
-        <p:spPr>
-          <a:xfrm>
-            <a:off x="2861438" y="3678621"/>
-            <a:ext cx="1836681" cy="0"/>
-          </a:xfrm>
-          <a:prstGeom prst="straightConnector1">
-            <a:avLst/>
-          </a:prstGeom>
-          <a:ln>
-            <a:headEnd type="triangle"/>
-            <a:tailEnd type="triangle"/>
-          </a:ln>
-        </p:spPr>
-        <p:style>
-          <a:lnRef idx="1">
-            <a:schemeClr val="accent1"/>
-          </a:lnRef>
-          <a:fillRef idx="0">
-            <a:schemeClr val="accent1"/>
-          </a:fillRef>
-          <a:effectRef idx="0">
-            <a:schemeClr val="accent1"/>
-          </a:effectRef>
-          <a:fontRef idx="minor">
-            <a:schemeClr val="tx1"/>
-          </a:fontRef>
-        </p:style>
-      </p:cxnSp>
-      <p:sp>
-        <p:nvSpPr>
-          <p:cNvPr id="23" name="TextBox 22">
-            <a:extLst>
-              <a:ext uri="{FF2B5EF4-FFF2-40B4-BE49-F238E27FC236}">
-                <a16:creationId xmlns:a16="http://schemas.microsoft.com/office/drawing/2014/main" id="{431930E3-EBE5-9245-BC67-6A9A95E99C22}"/>
-              </a:ext>
-            </a:extLst>
-          </p:cNvPr>
-          <p:cNvSpPr txBox="1"/>
-          <p:nvPr/>
-        </p:nvSpPr>
-        <p:spPr>
-          <a:xfrm>
-            <a:off x="3375843" y="3369145"/>
-            <a:ext cx="840801" cy="369332"/>
-          </a:xfrm>
-          <a:prstGeom prst="rect">
-            <a:avLst/>
-          </a:prstGeom>
-          <a:noFill/>
-        </p:spPr>
-        <p:txBody>
-          <a:bodyPr wrap="square" rtlCol="0">
-            <a:spAutoFit/>
-          </a:bodyPr>
-          <a:lstStyle/>
-          <a:p>
-            <a:pPr algn="ctr"/>
-            <a:r>
-              <a:rPr lang="en-US" b="1" dirty="0">
-                <a:solidFill>
-                  <a:schemeClr val="accent4"/>
-                </a:solidFill>
-              </a:rPr>
-              <a:t>30 cm</a:t>
-            </a:r>
-          </a:p>
-        </p:txBody>
-      </p:sp>
-      <p:cxnSp>
-        <p:nvCxnSpPr>
-          <p:cNvPr id="5" name="Straight Arrow Connector 4">
-            <a:extLst>
-              <a:ext uri="{FF2B5EF4-FFF2-40B4-BE49-F238E27FC236}">
-                <a16:creationId xmlns:a16="http://schemas.microsoft.com/office/drawing/2014/main" id="{E2223631-6379-0E46-BD2A-F8E0057754B2}"/>
-              </a:ext>
-            </a:extLst>
-          </p:cNvPr>
-          <p:cNvCxnSpPr>
-            <a:cxnSpLocks/>
-          </p:cNvCxnSpPr>
-          <p:nvPr/>
-        </p:nvCxnSpPr>
-        <p:spPr>
-          <a:xfrm flipH="1">
-            <a:off x="3200403" y="4779267"/>
-            <a:ext cx="1466195" cy="0"/>
-          </a:xfrm>
-          <a:prstGeom prst="straightConnector1">
-            <a:avLst/>
-          </a:prstGeom>
-          <a:ln w="57150">
-            <a:solidFill>
-              <a:schemeClr val="accent4"/>
-            </a:solidFill>
-            <a:tailEnd type="triangle"/>
-          </a:ln>
-        </p:spPr>
-        <p:style>
-          <a:lnRef idx="1">
-            <a:schemeClr val="accent1"/>
-          </a:lnRef>
-          <a:fillRef idx="0">
-            <a:schemeClr val="accent1"/>
-          </a:fillRef>
-          <a:effectRef idx="0">
-            <a:schemeClr val="accent1"/>
-          </a:effectRef>
-          <a:fontRef idx="minor">
-            <a:schemeClr val="tx1"/>
-          </a:fontRef>
-        </p:style>
-      </p:cxnSp>
-      <p:sp>
-        <p:nvSpPr>
-          <p:cNvPr id="26" name="TextBox 25">
-            <a:extLst>
-              <a:ext uri="{FF2B5EF4-FFF2-40B4-BE49-F238E27FC236}">
-                <a16:creationId xmlns:a16="http://schemas.microsoft.com/office/drawing/2014/main" id="{E344111B-8882-EA4E-ABAC-82C6ECCB0E4F}"/>
-              </a:ext>
-            </a:extLst>
-          </p:cNvPr>
-          <p:cNvSpPr txBox="1"/>
-          <p:nvPr/>
-        </p:nvSpPr>
-        <p:spPr>
-          <a:xfrm>
-            <a:off x="3940192" y="4897537"/>
-            <a:ext cx="2887098" cy="369332"/>
-          </a:xfrm>
-          <a:prstGeom prst="rect">
-            <a:avLst/>
-          </a:prstGeom>
-          <a:noFill/>
-        </p:spPr>
-        <p:txBody>
-          <a:bodyPr wrap="square" rtlCol="0">
-            <a:spAutoFit/>
-          </a:bodyPr>
-          <a:lstStyle/>
-          <a:p>
-            <a:pPr algn="ctr"/>
-            <a:r>
-              <a:rPr lang="en-US" b="1" dirty="0">
-                <a:solidFill>
-                  <a:schemeClr val="accent4"/>
-                </a:solidFill>
-              </a:rPr>
-              <a:t>Constant Deceleration</a:t>
-            </a:r>
-          </a:p>
-        </p:txBody>
-      </p:sp>
-      <p:cxnSp>
-        <p:nvCxnSpPr>
-          <p:cNvPr id="28" name="Straight Arrow Connector 27">
-            <a:extLst>
-              <a:ext uri="{FF2B5EF4-FFF2-40B4-BE49-F238E27FC236}">
-                <a16:creationId xmlns:a16="http://schemas.microsoft.com/office/drawing/2014/main" id="{B3A3EA8E-3AC6-0B47-BC7A-5524DF2972C5}"/>
-              </a:ext>
-            </a:extLst>
-          </p:cNvPr>
-          <p:cNvCxnSpPr>
-            <a:cxnSpLocks/>
-          </p:cNvCxnSpPr>
-          <p:nvPr/>
-        </p:nvCxnSpPr>
-        <p:spPr>
-          <a:xfrm flipH="1">
-            <a:off x="5538918" y="4779267"/>
-            <a:ext cx="1819825" cy="0"/>
-          </a:xfrm>
-          <a:prstGeom prst="straightConnector1">
-            <a:avLst/>
-          </a:prstGeom>
-          <a:ln w="57150">
-            <a:solidFill>
-              <a:schemeClr val="accent4"/>
-            </a:solidFill>
-            <a:tailEnd type="triangle"/>
-          </a:ln>
-        </p:spPr>
-        <p:style>
-          <a:lnRef idx="1">
-            <a:schemeClr val="accent1"/>
-          </a:lnRef>
-          <a:fillRef idx="0">
-            <a:schemeClr val="accent1"/>
-          </a:fillRef>
-          <a:effectRef idx="0">
-            <a:schemeClr val="accent1"/>
-          </a:effectRef>
-          <a:fontRef idx="minor">
-            <a:schemeClr val="tx1"/>
-          </a:fontRef>
-        </p:style>
-      </p:cxnSp>
-    </p:spTree>
-    <p:extLst>
-      <p:ext uri="{BB962C8B-B14F-4D97-AF65-F5344CB8AC3E}">
-        <p14:creationId xmlns:p14="http://schemas.microsoft.com/office/powerpoint/2010/main" val="2577962152"/>
-      </p:ext>
-    </p:extLst>
-  </p:cSld>
-  <p:clrMapOvr>
-    <a:masterClrMapping/>
-  </p:clrMapOvr>
-</p:sld>
-</file>
-
-<file path=ppt/slides/slide12.xml><?xml version="1.0" encoding="utf-8"?>
-<p:sld xmlns:a="http://schemas.openxmlformats.org/drawingml/2006/main" xmlns:r="http://schemas.openxmlformats.org/officeDocument/2006/relationships" xmlns:p="http://schemas.openxmlformats.org/presentationml/2006/main">
-  <p:cSld>
-    <p:spTree>
-      <p:nvGrpSpPr>
-        <p:cNvPr id="1" name=""/>
-        <p:cNvGrpSpPr/>
-        <p:nvPr/>
-      </p:nvGrpSpPr>
-      <p:grpSpPr>
-        <a:xfrm>
-          <a:off x="0" y="0"/>
-          <a:ext cx="0" cy="0"/>
-          <a:chOff x="0" y="0"/>
-          <a:chExt cx="0" cy="0"/>
-        </a:xfrm>
-      </p:grpSpPr>
-      <p:sp>
-        <p:nvSpPr>
-          <p:cNvPr id="2" name="Title 1">
-            <a:extLst>
-              <a:ext uri="{FF2B5EF4-FFF2-40B4-BE49-F238E27FC236}">
                 <a16:creationId xmlns:a16="http://schemas.microsoft.com/office/drawing/2014/main" id="{1F748930-BC29-2D48-8908-D3207B604A3B}"/>
               </a:ext>
             </a:extLst>
@@ -5290,12 +4231,6 @@
           <a:p>
             <a:r>
               <a:rPr lang="en-US" dirty="0"/>
-              <a:t>Halbach cylinder as magnetic lens</a:t>
-            </a:r>
-          </a:p>
-          <a:p>
-            <a:r>
-              <a:rPr lang="en-US" dirty="0"/>
               <a:t>Positioning</a:t>
             </a:r>
           </a:p>
@@ -5309,7 +4244,7 @@
           <a:p>
             <a:r>
               <a:rPr lang="en-US" dirty="0"/>
-              <a:t>Double Lens</a:t>
+              <a:t>Two Lenses</a:t>
             </a:r>
           </a:p>
           <a:p>
@@ -5355,7 +4290,7 @@
           <p:cNvPr id="2" name="Title 1">
             <a:extLst>
               <a:ext uri="{FF2B5EF4-FFF2-40B4-BE49-F238E27FC236}">
-                <a16:creationId xmlns:a16="http://schemas.microsoft.com/office/drawing/2014/main" id="{81500DD8-2010-F54F-BC24-D2614EEDF84D}"/>
+                <a16:creationId xmlns:a16="http://schemas.microsoft.com/office/drawing/2014/main" id="{7A537DD1-114B-9C43-B3F0-CC215BA1ACD1}"/>
               </a:ext>
             </a:extLst>
           </p:cNvPr>
@@ -5372,125 +4307,720 @@
           <a:lstStyle/>
           <a:p>
             <a:r>
-              <a:rPr lang="en-US"/>
-              <a:t>Halbach Cylinder</a:t>
-            </a:r>
-            <a:endParaRPr lang="en-US" dirty="0"/>
-          </a:p>
-        </p:txBody>
-      </p:sp>
-      <p:pic>
-        <p:nvPicPr>
-          <p:cNvPr id="4" name="Picture 3" descr="A picture containing accessory, umbrella, building, clock&#10;&#10;Description automatically generated">
-            <a:extLst>
-              <a:ext uri="{FF2B5EF4-FFF2-40B4-BE49-F238E27FC236}">
-                <a16:creationId xmlns:a16="http://schemas.microsoft.com/office/drawing/2014/main" id="{D0FB4B9B-4B13-FA4D-956E-A45F9E76FA09}"/>
-              </a:ext>
-            </a:extLst>
-          </p:cNvPr>
-          <p:cNvPicPr>
-            <a:picLocks noChangeAspect="1"/>
-          </p:cNvPicPr>
+              <a:rPr lang="en-US" dirty="0"/>
+              <a:t>Experimental Setup: Single Lens</a:t>
+            </a:r>
+          </a:p>
+        </p:txBody>
+      </p:sp>
+      <p:sp>
+        <p:nvSpPr>
+          <p:cNvPr id="4" name="Rectangle 3">
+            <a:extLst>
+              <a:ext uri="{FF2B5EF4-FFF2-40B4-BE49-F238E27FC236}">
+                <a16:creationId xmlns:a16="http://schemas.microsoft.com/office/drawing/2014/main" id="{9A060907-149F-BC48-B8AA-DD2B5C1D7E60}"/>
+              </a:ext>
+            </a:extLst>
+          </p:cNvPr>
+          <p:cNvSpPr/>
           <p:nvPr/>
-        </p:nvPicPr>
-        <p:blipFill>
-          <a:blip r:embed="rId2"/>
-          <a:stretch>
-            <a:fillRect/>
-          </a:stretch>
-        </p:blipFill>
-        <p:spPr>
-          <a:xfrm>
-            <a:off x="0" y="1264217"/>
-            <a:ext cx="5847284" cy="5228658"/>
+        </p:nvSpPr>
+        <p:spPr>
+          <a:xfrm>
+            <a:off x="472962" y="3258207"/>
+            <a:ext cx="1093076" cy="840827"/>
           </a:xfrm>
           <a:prstGeom prst="rect">
             <a:avLst/>
           </a:prstGeom>
-        </p:spPr>
-      </p:pic>
-      <p:sp>
-        <p:nvSpPr>
-          <p:cNvPr id="5" name="Content Placeholder 2">
-            <a:extLst>
-              <a:ext uri="{FF2B5EF4-FFF2-40B4-BE49-F238E27FC236}">
-                <a16:creationId xmlns:a16="http://schemas.microsoft.com/office/drawing/2014/main" id="{01C791F1-8B5F-1949-A471-4CB7FE7BB467}"/>
-              </a:ext>
-            </a:extLst>
-          </p:cNvPr>
-          <p:cNvSpPr>
-            <a:spLocks noGrp="1"/>
-          </p:cNvSpPr>
-          <p:nvPr>
-            <p:ph idx="1"/>
-          </p:nvPr>
-        </p:nvSpPr>
-        <p:spPr>
-          <a:xfrm>
-            <a:off x="6344718" y="4908331"/>
-            <a:ext cx="5131676" cy="1723696"/>
-          </a:xfrm>
-        </p:spPr>
-        <p:txBody>
-          <a:bodyPr>
-            <a:normAutofit lnSpcReduction="10000"/>
-          </a:bodyPr>
-          <a:lstStyle/>
-          <a:p>
-            <a:r>
-              <a:rPr lang="en-US"/>
-              <a:t>Inner bore radius: 12.5 mm, outer radius: 25.4 mm</a:t>
-            </a:r>
-          </a:p>
-          <a:p>
-            <a:r>
-              <a:rPr lang="en-US"/>
-              <a:t>Axial length: 25.4 mm</a:t>
-            </a:r>
-          </a:p>
-          <a:p>
-            <a:r>
-              <a:rPr lang="en-US"/>
-              <a:t>k = 4</a:t>
-            </a:r>
-            <a:endParaRPr lang="en-US" dirty="0"/>
-          </a:p>
-        </p:txBody>
-      </p:sp>
-      <p:pic>
-        <p:nvPicPr>
-          <p:cNvPr id="9" name="Picture 8" descr="A close up of a piece of paper&#10;&#10;Description automatically generated">
-            <a:extLst>
-              <a:ext uri="{FF2B5EF4-FFF2-40B4-BE49-F238E27FC236}">
-                <a16:creationId xmlns:a16="http://schemas.microsoft.com/office/drawing/2014/main" id="{5EC6E80B-FC9C-A441-8FD7-F05E083BCE0B}"/>
-              </a:ext>
-            </a:extLst>
-          </p:cNvPr>
-          <p:cNvPicPr>
-            <a:picLocks noChangeAspect="1"/>
-          </p:cNvPicPr>
+          <a:solidFill>
+            <a:schemeClr val="tx2">
+              <a:lumMod val="50000"/>
+            </a:schemeClr>
+          </a:solidFill>
+        </p:spPr>
+        <p:style>
+          <a:lnRef idx="2">
+            <a:schemeClr val="accent1">
+              <a:shade val="50000"/>
+            </a:schemeClr>
+          </a:lnRef>
+          <a:fillRef idx="1">
+            <a:schemeClr val="accent1"/>
+          </a:fillRef>
+          <a:effectRef idx="0">
+            <a:schemeClr val="accent1"/>
+          </a:effectRef>
+          <a:fontRef idx="minor">
+            <a:schemeClr val="lt1"/>
+          </a:fontRef>
+        </p:style>
+        <p:txBody>
+          <a:bodyPr rtlCol="0" anchor="ctr"/>
+          <a:lstStyle/>
+          <a:p>
+            <a:pPr algn="ctr"/>
+            <a:r>
+              <a:rPr lang="en-US" dirty="0"/>
+              <a:t>Cell</a:t>
+            </a:r>
+          </a:p>
+        </p:txBody>
+      </p:sp>
+      <p:cxnSp>
+        <p:nvCxnSpPr>
+          <p:cNvPr id="6" name="Straight Connector 5">
+            <a:extLst>
+              <a:ext uri="{FF2B5EF4-FFF2-40B4-BE49-F238E27FC236}">
+                <a16:creationId xmlns:a16="http://schemas.microsoft.com/office/drawing/2014/main" id="{DAB5175B-DF91-7241-B813-7F416481E653}"/>
+              </a:ext>
+            </a:extLst>
+          </p:cNvPr>
+          <p:cNvCxnSpPr/>
           <p:nvPr/>
-        </p:nvPicPr>
-        <p:blipFill>
-          <a:blip r:embed="rId3"/>
-          <a:stretch>
-            <a:fillRect/>
-          </a:stretch>
-        </p:blipFill>
-        <p:spPr>
-          <a:xfrm>
-            <a:off x="5629275" y="194255"/>
-            <a:ext cx="6285434" cy="4714076"/>
+        </p:nvCxnSpPr>
+        <p:spPr>
+          <a:xfrm>
+            <a:off x="2869320" y="3908371"/>
+            <a:ext cx="0" cy="1738312"/>
+          </a:xfrm>
+          <a:prstGeom prst="line">
+            <a:avLst/>
+          </a:prstGeom>
+          <a:ln w="57150">
+            <a:solidFill>
+              <a:schemeClr val="tx2">
+                <a:lumMod val="60000"/>
+                <a:lumOff val="40000"/>
+              </a:schemeClr>
+            </a:solidFill>
+          </a:ln>
+        </p:spPr>
+        <p:style>
+          <a:lnRef idx="1">
+            <a:schemeClr val="accent1"/>
+          </a:lnRef>
+          <a:fillRef idx="0">
+            <a:schemeClr val="accent1"/>
+          </a:fillRef>
+          <a:effectRef idx="0">
+            <a:schemeClr val="accent1"/>
+          </a:effectRef>
+          <a:fontRef idx="minor">
+            <a:schemeClr val="tx1"/>
+          </a:fontRef>
+        </p:style>
+      </p:cxnSp>
+      <p:cxnSp>
+        <p:nvCxnSpPr>
+          <p:cNvPr id="7" name="Straight Connector 6">
+            <a:extLst>
+              <a:ext uri="{FF2B5EF4-FFF2-40B4-BE49-F238E27FC236}">
+                <a16:creationId xmlns:a16="http://schemas.microsoft.com/office/drawing/2014/main" id="{4889B99B-97CB-A74B-8291-06713FFB8449}"/>
+              </a:ext>
+            </a:extLst>
+          </p:cNvPr>
+          <p:cNvCxnSpPr/>
+          <p:nvPr/>
+        </p:nvCxnSpPr>
+        <p:spPr>
+          <a:xfrm>
+            <a:off x="2879831" y="1669668"/>
+            <a:ext cx="0" cy="1738312"/>
+          </a:xfrm>
+          <a:prstGeom prst="line">
+            <a:avLst/>
+          </a:prstGeom>
+          <a:ln w="57150">
+            <a:solidFill>
+              <a:schemeClr val="tx2">
+                <a:lumMod val="60000"/>
+                <a:lumOff val="40000"/>
+              </a:schemeClr>
+            </a:solidFill>
+          </a:ln>
+        </p:spPr>
+        <p:style>
+          <a:lnRef idx="1">
+            <a:schemeClr val="accent1"/>
+          </a:lnRef>
+          <a:fillRef idx="0">
+            <a:schemeClr val="accent1"/>
+          </a:fillRef>
+          <a:effectRef idx="0">
+            <a:schemeClr val="accent1"/>
+          </a:effectRef>
+          <a:fontRef idx="minor">
+            <a:schemeClr val="tx1"/>
+          </a:fontRef>
+        </p:style>
+      </p:cxnSp>
+      <p:sp>
+        <p:nvSpPr>
+          <p:cNvPr id="8" name="Rectangle 7">
+            <a:extLst>
+              <a:ext uri="{FF2B5EF4-FFF2-40B4-BE49-F238E27FC236}">
+                <a16:creationId xmlns:a16="http://schemas.microsoft.com/office/drawing/2014/main" id="{7D80AB23-EE90-CC40-AC5E-FA28F1B6F13F}"/>
+              </a:ext>
+            </a:extLst>
+          </p:cNvPr>
+          <p:cNvSpPr/>
+          <p:nvPr/>
+        </p:nvSpPr>
+        <p:spPr>
+          <a:xfrm>
+            <a:off x="4698119" y="3258207"/>
+            <a:ext cx="840799" cy="840827"/>
           </a:xfrm>
           <a:prstGeom prst="rect">
             <a:avLst/>
           </a:prstGeom>
-        </p:spPr>
-      </p:pic>
+          <a:solidFill>
+            <a:schemeClr val="tx2">
+              <a:lumMod val="50000"/>
+            </a:schemeClr>
+          </a:solidFill>
+        </p:spPr>
+        <p:style>
+          <a:lnRef idx="2">
+            <a:schemeClr val="accent1">
+              <a:shade val="50000"/>
+            </a:schemeClr>
+          </a:lnRef>
+          <a:fillRef idx="1">
+            <a:schemeClr val="accent1"/>
+          </a:fillRef>
+          <a:effectRef idx="0">
+            <a:schemeClr val="accent1"/>
+          </a:effectRef>
+          <a:fontRef idx="minor">
+            <a:schemeClr val="lt1"/>
+          </a:fontRef>
+        </p:style>
+        <p:txBody>
+          <a:bodyPr rtlCol="0" anchor="ctr"/>
+          <a:lstStyle/>
+          <a:p>
+            <a:pPr algn="ctr"/>
+            <a:r>
+              <a:rPr lang="en-US" dirty="0"/>
+              <a:t>Lens</a:t>
+            </a:r>
+          </a:p>
+        </p:txBody>
+      </p:sp>
+      <p:cxnSp>
+        <p:nvCxnSpPr>
+          <p:cNvPr id="9" name="Straight Connector 8">
+            <a:extLst>
+              <a:ext uri="{FF2B5EF4-FFF2-40B4-BE49-F238E27FC236}">
+                <a16:creationId xmlns:a16="http://schemas.microsoft.com/office/drawing/2014/main" id="{925FC6F4-E277-E041-8F16-E15E553A62D7}"/>
+              </a:ext>
+            </a:extLst>
+          </p:cNvPr>
+          <p:cNvCxnSpPr>
+            <a:cxnSpLocks/>
+          </p:cNvCxnSpPr>
+          <p:nvPr/>
+        </p:nvCxnSpPr>
+        <p:spPr>
+          <a:xfrm>
+            <a:off x="7577954" y="4099034"/>
+            <a:ext cx="0" cy="1537138"/>
+          </a:xfrm>
+          <a:prstGeom prst="line">
+            <a:avLst/>
+          </a:prstGeom>
+          <a:ln w="57150">
+            <a:solidFill>
+              <a:schemeClr val="tx2">
+                <a:lumMod val="60000"/>
+                <a:lumOff val="40000"/>
+              </a:schemeClr>
+            </a:solidFill>
+          </a:ln>
+        </p:spPr>
+        <p:style>
+          <a:lnRef idx="1">
+            <a:schemeClr val="accent1"/>
+          </a:lnRef>
+          <a:fillRef idx="0">
+            <a:schemeClr val="accent1"/>
+          </a:fillRef>
+          <a:effectRef idx="0">
+            <a:schemeClr val="accent1"/>
+          </a:effectRef>
+          <a:fontRef idx="minor">
+            <a:schemeClr val="tx1"/>
+          </a:fontRef>
+        </p:style>
+      </p:cxnSp>
+      <p:cxnSp>
+        <p:nvCxnSpPr>
+          <p:cNvPr id="10" name="Straight Connector 9">
+            <a:extLst>
+              <a:ext uri="{FF2B5EF4-FFF2-40B4-BE49-F238E27FC236}">
+                <a16:creationId xmlns:a16="http://schemas.microsoft.com/office/drawing/2014/main" id="{B90EFB20-7DA1-E84E-9823-BAA25EBA1449}"/>
+              </a:ext>
+            </a:extLst>
+          </p:cNvPr>
+          <p:cNvCxnSpPr>
+            <a:cxnSpLocks/>
+          </p:cNvCxnSpPr>
+          <p:nvPr/>
+        </p:nvCxnSpPr>
+        <p:spPr>
+          <a:xfrm>
+            <a:off x="7588465" y="1690687"/>
+            <a:ext cx="0" cy="1444399"/>
+          </a:xfrm>
+          <a:prstGeom prst="line">
+            <a:avLst/>
+          </a:prstGeom>
+          <a:ln w="57150">
+            <a:solidFill>
+              <a:schemeClr val="tx2">
+                <a:lumMod val="60000"/>
+                <a:lumOff val="40000"/>
+              </a:schemeClr>
+            </a:solidFill>
+          </a:ln>
+        </p:spPr>
+        <p:style>
+          <a:lnRef idx="1">
+            <a:schemeClr val="accent1"/>
+          </a:lnRef>
+          <a:fillRef idx="0">
+            <a:schemeClr val="accent1"/>
+          </a:fillRef>
+          <a:effectRef idx="0">
+            <a:schemeClr val="accent1"/>
+          </a:effectRef>
+          <a:fontRef idx="minor">
+            <a:schemeClr val="tx1"/>
+          </a:fontRef>
+        </p:style>
+      </p:cxnSp>
+      <p:sp>
+        <p:nvSpPr>
+          <p:cNvPr id="11" name="Rectangle 10">
+            <a:extLst>
+              <a:ext uri="{FF2B5EF4-FFF2-40B4-BE49-F238E27FC236}">
+                <a16:creationId xmlns:a16="http://schemas.microsoft.com/office/drawing/2014/main" id="{65CEE192-CC0A-3547-8503-CD77DCCCDE73}"/>
+              </a:ext>
+            </a:extLst>
+          </p:cNvPr>
+          <p:cNvSpPr/>
+          <p:nvPr/>
+        </p:nvSpPr>
+        <p:spPr>
+          <a:xfrm>
+            <a:off x="10384216" y="3258207"/>
+            <a:ext cx="1292772" cy="840827"/>
+          </a:xfrm>
+          <a:prstGeom prst="rect">
+            <a:avLst/>
+          </a:prstGeom>
+          <a:solidFill>
+            <a:schemeClr val="tx2"/>
+          </a:solidFill>
+        </p:spPr>
+        <p:style>
+          <a:lnRef idx="2">
+            <a:schemeClr val="accent1">
+              <a:shade val="50000"/>
+            </a:schemeClr>
+          </a:lnRef>
+          <a:fillRef idx="1">
+            <a:schemeClr val="accent1"/>
+          </a:fillRef>
+          <a:effectRef idx="0">
+            <a:schemeClr val="accent1"/>
+          </a:effectRef>
+          <a:fontRef idx="minor">
+            <a:schemeClr val="lt1"/>
+          </a:fontRef>
+        </p:style>
+        <p:txBody>
+          <a:bodyPr rtlCol="0" anchor="ctr"/>
+          <a:lstStyle/>
+          <a:p>
+            <a:pPr algn="ctr"/>
+            <a:r>
+              <a:rPr lang="en-US" dirty="0"/>
+              <a:t>MOT Region</a:t>
+            </a:r>
+          </a:p>
+        </p:txBody>
+      </p:sp>
+      <p:sp>
+        <p:nvSpPr>
+          <p:cNvPr id="12" name="TextBox 11">
+            <a:extLst>
+              <a:ext uri="{FF2B5EF4-FFF2-40B4-BE49-F238E27FC236}">
+                <a16:creationId xmlns:a16="http://schemas.microsoft.com/office/drawing/2014/main" id="{D93D54EB-EFD1-6E4C-AD96-C6DFF8BA62E2}"/>
+              </a:ext>
+            </a:extLst>
+          </p:cNvPr>
+          <p:cNvSpPr txBox="1"/>
+          <p:nvPr/>
+        </p:nvSpPr>
+        <p:spPr>
+          <a:xfrm>
+            <a:off x="2900852" y="1786759"/>
+            <a:ext cx="1156121" cy="923330"/>
+          </a:xfrm>
+          <a:prstGeom prst="rect">
+            <a:avLst/>
+          </a:prstGeom>
+          <a:noFill/>
+        </p:spPr>
+        <p:txBody>
+          <a:bodyPr wrap="square" rtlCol="0">
+            <a:spAutoFit/>
+          </a:bodyPr>
+          <a:lstStyle/>
+          <a:p>
+            <a:r>
+              <a:rPr lang="en-US" dirty="0"/>
+              <a:t>4K Aperture,</a:t>
+            </a:r>
+          </a:p>
+          <a:p>
+            <a:r>
+              <a:rPr lang="en-US" dirty="0"/>
+              <a:t>1 cm</a:t>
+            </a:r>
+          </a:p>
+        </p:txBody>
+      </p:sp>
+      <p:sp>
+        <p:nvSpPr>
+          <p:cNvPr id="13" name="TextBox 12">
+            <a:extLst>
+              <a:ext uri="{FF2B5EF4-FFF2-40B4-BE49-F238E27FC236}">
+                <a16:creationId xmlns:a16="http://schemas.microsoft.com/office/drawing/2014/main" id="{C0CCEC76-B20B-884C-ADD3-1466EF0E4DA6}"/>
+              </a:ext>
+            </a:extLst>
+          </p:cNvPr>
+          <p:cNvSpPr txBox="1"/>
+          <p:nvPr/>
+        </p:nvSpPr>
+        <p:spPr>
+          <a:xfrm>
+            <a:off x="7609489" y="1797270"/>
+            <a:ext cx="1156121" cy="923330"/>
+          </a:xfrm>
+          <a:prstGeom prst="rect">
+            <a:avLst/>
+          </a:prstGeom>
+          <a:noFill/>
+        </p:spPr>
+        <p:txBody>
+          <a:bodyPr wrap="square" rtlCol="0">
+            <a:spAutoFit/>
+          </a:bodyPr>
+          <a:lstStyle/>
+          <a:p>
+            <a:r>
+              <a:rPr lang="en-US" dirty="0"/>
+              <a:t>Beam Shutter,</a:t>
+            </a:r>
+          </a:p>
+          <a:p>
+            <a:r>
+              <a:rPr lang="en-US" dirty="0"/>
+              <a:t>1.4 cm</a:t>
+            </a:r>
+          </a:p>
+        </p:txBody>
+      </p:sp>
+      <p:cxnSp>
+        <p:nvCxnSpPr>
+          <p:cNvPr id="15" name="Straight Arrow Connector 14">
+            <a:extLst>
+              <a:ext uri="{FF2B5EF4-FFF2-40B4-BE49-F238E27FC236}">
+                <a16:creationId xmlns:a16="http://schemas.microsoft.com/office/drawing/2014/main" id="{CD88B708-A705-1440-9B42-F9F62BE72DE8}"/>
+              </a:ext>
+            </a:extLst>
+          </p:cNvPr>
+          <p:cNvCxnSpPr>
+            <a:cxnSpLocks/>
+            <a:stCxn id="4" idx="3"/>
+          </p:cNvCxnSpPr>
+          <p:nvPr/>
+        </p:nvCxnSpPr>
+        <p:spPr>
+          <a:xfrm>
+            <a:off x="1566038" y="3678621"/>
+            <a:ext cx="1313793" cy="0"/>
+          </a:xfrm>
+          <a:prstGeom prst="straightConnector1">
+            <a:avLst/>
+          </a:prstGeom>
+          <a:ln>
+            <a:headEnd type="triangle"/>
+            <a:tailEnd type="triangle"/>
+          </a:ln>
+        </p:spPr>
+        <p:style>
+          <a:lnRef idx="1">
+            <a:schemeClr val="accent1"/>
+          </a:lnRef>
+          <a:fillRef idx="0">
+            <a:schemeClr val="accent1"/>
+          </a:fillRef>
+          <a:effectRef idx="0">
+            <a:schemeClr val="accent1"/>
+          </a:effectRef>
+          <a:fontRef idx="minor">
+            <a:schemeClr val="tx1"/>
+          </a:fontRef>
+        </p:style>
+      </p:cxnSp>
+      <p:sp>
+        <p:nvSpPr>
+          <p:cNvPr id="16" name="TextBox 15">
+            <a:extLst>
+              <a:ext uri="{FF2B5EF4-FFF2-40B4-BE49-F238E27FC236}">
+                <a16:creationId xmlns:a16="http://schemas.microsoft.com/office/drawing/2014/main" id="{11BAF27D-CF48-F543-9CDA-C6380D1C65A6}"/>
+              </a:ext>
+            </a:extLst>
+          </p:cNvPr>
+          <p:cNvSpPr txBox="1"/>
+          <p:nvPr/>
+        </p:nvSpPr>
+        <p:spPr>
+          <a:xfrm>
+            <a:off x="1855068" y="3369145"/>
+            <a:ext cx="840801" cy="369332"/>
+          </a:xfrm>
+          <a:prstGeom prst="rect">
+            <a:avLst/>
+          </a:prstGeom>
+          <a:noFill/>
+        </p:spPr>
+        <p:txBody>
+          <a:bodyPr wrap="square" rtlCol="0">
+            <a:spAutoFit/>
+          </a:bodyPr>
+          <a:lstStyle/>
+          <a:p>
+            <a:r>
+              <a:rPr lang="en-US" dirty="0"/>
+              <a:t> 10 cm</a:t>
+            </a:r>
+          </a:p>
+        </p:txBody>
+      </p:sp>
+      <p:cxnSp>
+        <p:nvCxnSpPr>
+          <p:cNvPr id="20" name="Straight Arrow Connector 19">
+            <a:extLst>
+              <a:ext uri="{FF2B5EF4-FFF2-40B4-BE49-F238E27FC236}">
+                <a16:creationId xmlns:a16="http://schemas.microsoft.com/office/drawing/2014/main" id="{CBB309B8-E214-4C4D-BFB4-6FF82FFC4D0A}"/>
+              </a:ext>
+            </a:extLst>
+          </p:cNvPr>
+          <p:cNvCxnSpPr>
+            <a:cxnSpLocks/>
+            <a:stCxn id="8" idx="3"/>
+            <a:endCxn id="11" idx="1"/>
+          </p:cNvCxnSpPr>
+          <p:nvPr/>
+        </p:nvCxnSpPr>
+        <p:spPr>
+          <a:xfrm>
+            <a:off x="5538918" y="3678621"/>
+            <a:ext cx="4845298" cy="0"/>
+          </a:xfrm>
+          <a:prstGeom prst="straightConnector1">
+            <a:avLst/>
+          </a:prstGeom>
+          <a:ln>
+            <a:headEnd type="triangle"/>
+            <a:tailEnd type="triangle"/>
+          </a:ln>
+        </p:spPr>
+        <p:style>
+          <a:lnRef idx="1">
+            <a:schemeClr val="accent1"/>
+          </a:lnRef>
+          <a:fillRef idx="0">
+            <a:schemeClr val="accent1"/>
+          </a:fillRef>
+          <a:effectRef idx="0">
+            <a:schemeClr val="accent1"/>
+          </a:effectRef>
+          <a:fontRef idx="minor">
+            <a:schemeClr val="tx1"/>
+          </a:fontRef>
+        </p:style>
+      </p:cxnSp>
+      <p:sp>
+        <p:nvSpPr>
+          <p:cNvPr id="21" name="TextBox 20">
+            <a:extLst>
+              <a:ext uri="{FF2B5EF4-FFF2-40B4-BE49-F238E27FC236}">
+                <a16:creationId xmlns:a16="http://schemas.microsoft.com/office/drawing/2014/main" id="{2EF2960E-5057-FD4E-A939-48B0A8F32F79}"/>
+              </a:ext>
+            </a:extLst>
+          </p:cNvPr>
+          <p:cNvSpPr txBox="1"/>
+          <p:nvPr/>
+        </p:nvSpPr>
+        <p:spPr>
+          <a:xfrm>
+            <a:off x="4666598" y="2685973"/>
+            <a:ext cx="987964" cy="369332"/>
+          </a:xfrm>
+          <a:prstGeom prst="rect">
+            <a:avLst/>
+          </a:prstGeom>
+          <a:noFill/>
+        </p:spPr>
+        <p:txBody>
+          <a:bodyPr wrap="square" rtlCol="0">
+            <a:spAutoFit/>
+          </a:bodyPr>
+          <a:lstStyle/>
+          <a:p>
+            <a:r>
+              <a:rPr lang="en-US" dirty="0"/>
+              <a:t>2.54 cm</a:t>
+            </a:r>
+          </a:p>
+        </p:txBody>
+      </p:sp>
+      <p:cxnSp>
+        <p:nvCxnSpPr>
+          <p:cNvPr id="22" name="Straight Arrow Connector 21">
+            <a:extLst>
+              <a:ext uri="{FF2B5EF4-FFF2-40B4-BE49-F238E27FC236}">
+                <a16:creationId xmlns:a16="http://schemas.microsoft.com/office/drawing/2014/main" id="{C26CEE9B-2528-C042-A9F8-8C692E10D891}"/>
+              </a:ext>
+            </a:extLst>
+          </p:cNvPr>
+          <p:cNvCxnSpPr>
+            <a:cxnSpLocks/>
+          </p:cNvCxnSpPr>
+          <p:nvPr/>
+        </p:nvCxnSpPr>
+        <p:spPr>
+          <a:xfrm>
+            <a:off x="4698101" y="3016469"/>
+            <a:ext cx="840817" cy="0"/>
+          </a:xfrm>
+          <a:prstGeom prst="straightConnector1">
+            <a:avLst/>
+          </a:prstGeom>
+          <a:ln>
+            <a:headEnd type="triangle"/>
+            <a:tailEnd type="triangle"/>
+          </a:ln>
+        </p:spPr>
+        <p:style>
+          <a:lnRef idx="1">
+            <a:schemeClr val="accent1"/>
+          </a:lnRef>
+          <a:fillRef idx="0">
+            <a:schemeClr val="accent1"/>
+          </a:fillRef>
+          <a:effectRef idx="0">
+            <a:schemeClr val="accent1"/>
+          </a:effectRef>
+          <a:fontRef idx="minor">
+            <a:schemeClr val="tx1"/>
+          </a:fontRef>
+        </p:style>
+      </p:cxnSp>
+      <p:cxnSp>
+        <p:nvCxnSpPr>
+          <p:cNvPr id="19" name="Straight Arrow Connector 18">
+            <a:extLst>
+              <a:ext uri="{FF2B5EF4-FFF2-40B4-BE49-F238E27FC236}">
+                <a16:creationId xmlns:a16="http://schemas.microsoft.com/office/drawing/2014/main" id="{4062CB9C-99C4-0943-818A-5FF1FA7357FF}"/>
+              </a:ext>
+            </a:extLst>
+          </p:cNvPr>
+          <p:cNvCxnSpPr>
+            <a:cxnSpLocks/>
+            <a:endCxn id="8" idx="1"/>
+          </p:cNvCxnSpPr>
+          <p:nvPr/>
+        </p:nvCxnSpPr>
+        <p:spPr>
+          <a:xfrm>
+            <a:off x="2861438" y="3678621"/>
+            <a:ext cx="1836681" cy="0"/>
+          </a:xfrm>
+          <a:prstGeom prst="straightConnector1">
+            <a:avLst/>
+          </a:prstGeom>
+          <a:ln>
+            <a:headEnd type="triangle"/>
+            <a:tailEnd type="triangle"/>
+          </a:ln>
+        </p:spPr>
+        <p:style>
+          <a:lnRef idx="1">
+            <a:schemeClr val="accent1"/>
+          </a:lnRef>
+          <a:fillRef idx="0">
+            <a:schemeClr val="accent1"/>
+          </a:fillRef>
+          <a:effectRef idx="0">
+            <a:schemeClr val="accent1"/>
+          </a:effectRef>
+          <a:fontRef idx="minor">
+            <a:schemeClr val="tx1"/>
+          </a:fontRef>
+        </p:style>
+      </p:cxnSp>
+      <p:sp>
+        <p:nvSpPr>
+          <p:cNvPr id="23" name="TextBox 22">
+            <a:extLst>
+              <a:ext uri="{FF2B5EF4-FFF2-40B4-BE49-F238E27FC236}">
+                <a16:creationId xmlns:a16="http://schemas.microsoft.com/office/drawing/2014/main" id="{431930E3-EBE5-9245-BC67-6A9A95E99C22}"/>
+              </a:ext>
+            </a:extLst>
+          </p:cNvPr>
+          <p:cNvSpPr txBox="1"/>
+          <p:nvPr/>
+        </p:nvSpPr>
+        <p:spPr>
+          <a:xfrm>
+            <a:off x="3375843" y="3369145"/>
+            <a:ext cx="840801" cy="369332"/>
+          </a:xfrm>
+          <a:prstGeom prst="rect">
+            <a:avLst/>
+          </a:prstGeom>
+          <a:noFill/>
+        </p:spPr>
+        <p:txBody>
+          <a:bodyPr wrap="square" rtlCol="0">
+            <a:spAutoFit/>
+          </a:bodyPr>
+          <a:lstStyle/>
+          <a:p>
+            <a:pPr algn="ctr"/>
+            <a:r>
+              <a:rPr lang="en-US" b="1" dirty="0">
+                <a:solidFill>
+                  <a:schemeClr val="accent4"/>
+                </a:solidFill>
+              </a:rPr>
+              <a:t>Varied</a:t>
+            </a:r>
+          </a:p>
+        </p:txBody>
+      </p:sp>
     </p:spTree>
     <p:extLst>
       <p:ext uri="{BB962C8B-B14F-4D97-AF65-F5344CB8AC3E}">
-        <p14:creationId xmlns:p14="http://schemas.microsoft.com/office/powerpoint/2010/main" val="1617146275"/>
+        <p14:creationId xmlns:p14="http://schemas.microsoft.com/office/powerpoint/2010/main" val="2346104174"/>
       </p:ext>
     </p:extLst>
   </p:cSld>
@@ -5522,7 +5052,7 @@
           <p:cNvPr id="2" name="Title 1">
             <a:extLst>
               <a:ext uri="{FF2B5EF4-FFF2-40B4-BE49-F238E27FC236}">
-                <a16:creationId xmlns:a16="http://schemas.microsoft.com/office/drawing/2014/main" id="{7A537DD1-114B-9C43-B3F0-CC215BA1ACD1}"/>
+                <a16:creationId xmlns:a16="http://schemas.microsoft.com/office/drawing/2014/main" id="{05E6DCF3-BEA1-2D46-920D-2552737E5E7A}"/>
               </a:ext>
             </a:extLst>
           </p:cNvPr>
@@ -5540,754 +5070,86 @@
           <a:p>
             <a:r>
               <a:rPr lang="en-US" dirty="0"/>
-              <a:t>Experimental Setup: Single Lens</a:t>
-            </a:r>
-          </a:p>
-        </p:txBody>
-      </p:sp>
-      <p:sp>
-        <p:nvSpPr>
-          <p:cNvPr id="4" name="Rectangle 3">
-            <a:extLst>
-              <a:ext uri="{FF2B5EF4-FFF2-40B4-BE49-F238E27FC236}">
-                <a16:creationId xmlns:a16="http://schemas.microsoft.com/office/drawing/2014/main" id="{9A060907-149F-BC48-B8AA-DD2B5C1D7E60}"/>
-              </a:ext>
-            </a:extLst>
-          </p:cNvPr>
-          <p:cNvSpPr/>
+              <a:t>Parameter Scan</a:t>
+            </a:r>
+          </a:p>
+        </p:txBody>
+      </p:sp>
+      <p:sp>
+        <p:nvSpPr>
+          <p:cNvPr id="4" name="Content Placeholder 2">
+            <a:extLst>
+              <a:ext uri="{FF2B5EF4-FFF2-40B4-BE49-F238E27FC236}">
+                <a16:creationId xmlns:a16="http://schemas.microsoft.com/office/drawing/2014/main" id="{62C73563-E85B-C446-AA5A-4341341DEDE0}"/>
+              </a:ext>
+            </a:extLst>
+          </p:cNvPr>
+          <p:cNvSpPr>
+            <a:spLocks noGrp="1"/>
+          </p:cNvSpPr>
+          <p:nvPr>
+            <p:ph idx="1"/>
+          </p:nvPr>
+        </p:nvSpPr>
+        <p:spPr>
+          <a:xfrm>
+            <a:off x="8581321" y="2242458"/>
+            <a:ext cx="3218793" cy="3581400"/>
+          </a:xfrm>
+        </p:spPr>
+        <p:txBody>
+          <a:bodyPr>
+            <a:normAutofit/>
+          </a:bodyPr>
+          <a:lstStyle/>
+          <a:p>
+            <a:r>
+              <a:rPr lang="en-US" dirty="0"/>
+              <a:t>Yield ratio peaked when lens situated about 30 cm from cell aperture</a:t>
+            </a:r>
+          </a:p>
+          <a:p>
+            <a:r>
+              <a:rPr lang="en-US" dirty="0"/>
+              <a:t>0.238% yield ratio without lens, &gt;1% yield ratio with lens</a:t>
+            </a:r>
+          </a:p>
+        </p:txBody>
+      </p:sp>
+      <p:pic>
+        <p:nvPicPr>
+          <p:cNvPr id="3" name="Picture 2">
+            <a:extLst>
+              <a:ext uri="{FF2B5EF4-FFF2-40B4-BE49-F238E27FC236}">
+                <a16:creationId xmlns:a16="http://schemas.microsoft.com/office/drawing/2014/main" id="{DE991A4B-5933-884A-B41A-CB842D861560}"/>
+              </a:ext>
+            </a:extLst>
+          </p:cNvPr>
+          <p:cNvPicPr>
+            <a:picLocks noChangeAspect="1"/>
+          </p:cNvPicPr>
           <p:nvPr/>
-        </p:nvSpPr>
-        <p:spPr>
-          <a:xfrm>
-            <a:off x="472962" y="3258207"/>
-            <a:ext cx="1093076" cy="840827"/>
+        </p:nvPicPr>
+        <p:blipFill>
+          <a:blip r:embed="rId2"/>
+          <a:stretch>
+            <a:fillRect/>
+          </a:stretch>
+        </p:blipFill>
+        <p:spPr>
+          <a:xfrm>
+            <a:off x="838200" y="1563688"/>
+            <a:ext cx="7609897" cy="5054668"/>
           </a:xfrm>
           <a:prstGeom prst="rect">
             <a:avLst/>
           </a:prstGeom>
-          <a:solidFill>
-            <a:schemeClr val="tx2">
-              <a:lumMod val="50000"/>
-            </a:schemeClr>
-          </a:solidFill>
-        </p:spPr>
-        <p:style>
-          <a:lnRef idx="2">
-            <a:schemeClr val="accent1">
-              <a:shade val="50000"/>
-            </a:schemeClr>
-          </a:lnRef>
-          <a:fillRef idx="1">
-            <a:schemeClr val="accent1"/>
-          </a:fillRef>
-          <a:effectRef idx="0">
-            <a:schemeClr val="accent1"/>
-          </a:effectRef>
-          <a:fontRef idx="minor">
-            <a:schemeClr val="lt1"/>
-          </a:fontRef>
-        </p:style>
-        <p:txBody>
-          <a:bodyPr rtlCol="0" anchor="ctr"/>
-          <a:lstStyle/>
-          <a:p>
-            <a:pPr algn="ctr"/>
-            <a:r>
-              <a:rPr lang="en-US" dirty="0"/>
-              <a:t>Cell</a:t>
-            </a:r>
-          </a:p>
-        </p:txBody>
-      </p:sp>
-      <p:cxnSp>
-        <p:nvCxnSpPr>
-          <p:cNvPr id="6" name="Straight Connector 5">
-            <a:extLst>
-              <a:ext uri="{FF2B5EF4-FFF2-40B4-BE49-F238E27FC236}">
-                <a16:creationId xmlns:a16="http://schemas.microsoft.com/office/drawing/2014/main" id="{DAB5175B-DF91-7241-B813-7F416481E653}"/>
-              </a:ext>
-            </a:extLst>
-          </p:cNvPr>
-          <p:cNvCxnSpPr/>
-          <p:nvPr/>
-        </p:nvCxnSpPr>
-        <p:spPr>
-          <a:xfrm>
-            <a:off x="2869320" y="3908371"/>
-            <a:ext cx="0" cy="1738312"/>
-          </a:xfrm>
-          <a:prstGeom prst="line">
-            <a:avLst/>
-          </a:prstGeom>
-          <a:ln w="57150">
-            <a:solidFill>
-              <a:schemeClr val="tx2">
-                <a:lumMod val="60000"/>
-                <a:lumOff val="40000"/>
-              </a:schemeClr>
-            </a:solidFill>
-          </a:ln>
-        </p:spPr>
-        <p:style>
-          <a:lnRef idx="1">
-            <a:schemeClr val="accent1"/>
-          </a:lnRef>
-          <a:fillRef idx="0">
-            <a:schemeClr val="accent1"/>
-          </a:fillRef>
-          <a:effectRef idx="0">
-            <a:schemeClr val="accent1"/>
-          </a:effectRef>
-          <a:fontRef idx="minor">
-            <a:schemeClr val="tx1"/>
-          </a:fontRef>
-        </p:style>
-      </p:cxnSp>
-      <p:cxnSp>
-        <p:nvCxnSpPr>
-          <p:cNvPr id="7" name="Straight Connector 6">
-            <a:extLst>
-              <a:ext uri="{FF2B5EF4-FFF2-40B4-BE49-F238E27FC236}">
-                <a16:creationId xmlns:a16="http://schemas.microsoft.com/office/drawing/2014/main" id="{4889B99B-97CB-A74B-8291-06713FFB8449}"/>
-              </a:ext>
-            </a:extLst>
-          </p:cNvPr>
-          <p:cNvCxnSpPr/>
-          <p:nvPr/>
-        </p:nvCxnSpPr>
-        <p:spPr>
-          <a:xfrm>
-            <a:off x="2879831" y="1669668"/>
-            <a:ext cx="0" cy="1738312"/>
-          </a:xfrm>
-          <a:prstGeom prst="line">
-            <a:avLst/>
-          </a:prstGeom>
-          <a:ln w="57150">
-            <a:solidFill>
-              <a:schemeClr val="tx2">
-                <a:lumMod val="60000"/>
-                <a:lumOff val="40000"/>
-              </a:schemeClr>
-            </a:solidFill>
-          </a:ln>
-        </p:spPr>
-        <p:style>
-          <a:lnRef idx="1">
-            <a:schemeClr val="accent1"/>
-          </a:lnRef>
-          <a:fillRef idx="0">
-            <a:schemeClr val="accent1"/>
-          </a:fillRef>
-          <a:effectRef idx="0">
-            <a:schemeClr val="accent1"/>
-          </a:effectRef>
-          <a:fontRef idx="minor">
-            <a:schemeClr val="tx1"/>
-          </a:fontRef>
-        </p:style>
-      </p:cxnSp>
-      <p:sp>
-        <p:nvSpPr>
-          <p:cNvPr id="8" name="Rectangle 7">
-            <a:extLst>
-              <a:ext uri="{FF2B5EF4-FFF2-40B4-BE49-F238E27FC236}">
-                <a16:creationId xmlns:a16="http://schemas.microsoft.com/office/drawing/2014/main" id="{7D80AB23-EE90-CC40-AC5E-FA28F1B6F13F}"/>
-              </a:ext>
-            </a:extLst>
-          </p:cNvPr>
-          <p:cNvSpPr/>
-          <p:nvPr/>
-        </p:nvSpPr>
-        <p:spPr>
-          <a:xfrm>
-            <a:off x="4698119" y="3258207"/>
-            <a:ext cx="840799" cy="840827"/>
-          </a:xfrm>
-          <a:prstGeom prst="rect">
-            <a:avLst/>
-          </a:prstGeom>
-          <a:solidFill>
-            <a:schemeClr val="tx2">
-              <a:lumMod val="50000"/>
-            </a:schemeClr>
-          </a:solidFill>
-        </p:spPr>
-        <p:style>
-          <a:lnRef idx="2">
-            <a:schemeClr val="accent1">
-              <a:shade val="50000"/>
-            </a:schemeClr>
-          </a:lnRef>
-          <a:fillRef idx="1">
-            <a:schemeClr val="accent1"/>
-          </a:fillRef>
-          <a:effectRef idx="0">
-            <a:schemeClr val="accent1"/>
-          </a:effectRef>
-          <a:fontRef idx="minor">
-            <a:schemeClr val="lt1"/>
-          </a:fontRef>
-        </p:style>
-        <p:txBody>
-          <a:bodyPr rtlCol="0" anchor="ctr"/>
-          <a:lstStyle/>
-          <a:p>
-            <a:pPr algn="ctr"/>
-            <a:r>
-              <a:rPr lang="en-US" dirty="0"/>
-              <a:t>Lens</a:t>
-            </a:r>
-          </a:p>
-        </p:txBody>
-      </p:sp>
-      <p:cxnSp>
-        <p:nvCxnSpPr>
-          <p:cNvPr id="9" name="Straight Connector 8">
-            <a:extLst>
-              <a:ext uri="{FF2B5EF4-FFF2-40B4-BE49-F238E27FC236}">
-                <a16:creationId xmlns:a16="http://schemas.microsoft.com/office/drawing/2014/main" id="{925FC6F4-E277-E041-8F16-E15E553A62D7}"/>
-              </a:ext>
-            </a:extLst>
-          </p:cNvPr>
-          <p:cNvCxnSpPr>
-            <a:cxnSpLocks/>
-          </p:cNvCxnSpPr>
-          <p:nvPr/>
-        </p:nvCxnSpPr>
-        <p:spPr>
-          <a:xfrm>
-            <a:off x="7577954" y="4099034"/>
-            <a:ext cx="0" cy="1537138"/>
-          </a:xfrm>
-          <a:prstGeom prst="line">
-            <a:avLst/>
-          </a:prstGeom>
-          <a:ln w="57150">
-            <a:solidFill>
-              <a:schemeClr val="tx2">
-                <a:lumMod val="60000"/>
-                <a:lumOff val="40000"/>
-              </a:schemeClr>
-            </a:solidFill>
-          </a:ln>
-        </p:spPr>
-        <p:style>
-          <a:lnRef idx="1">
-            <a:schemeClr val="accent1"/>
-          </a:lnRef>
-          <a:fillRef idx="0">
-            <a:schemeClr val="accent1"/>
-          </a:fillRef>
-          <a:effectRef idx="0">
-            <a:schemeClr val="accent1"/>
-          </a:effectRef>
-          <a:fontRef idx="minor">
-            <a:schemeClr val="tx1"/>
-          </a:fontRef>
-        </p:style>
-      </p:cxnSp>
-      <p:cxnSp>
-        <p:nvCxnSpPr>
-          <p:cNvPr id="10" name="Straight Connector 9">
-            <a:extLst>
-              <a:ext uri="{FF2B5EF4-FFF2-40B4-BE49-F238E27FC236}">
-                <a16:creationId xmlns:a16="http://schemas.microsoft.com/office/drawing/2014/main" id="{B90EFB20-7DA1-E84E-9823-BAA25EBA1449}"/>
-              </a:ext>
-            </a:extLst>
-          </p:cNvPr>
-          <p:cNvCxnSpPr>
-            <a:cxnSpLocks/>
-          </p:cNvCxnSpPr>
-          <p:nvPr/>
-        </p:nvCxnSpPr>
-        <p:spPr>
-          <a:xfrm>
-            <a:off x="7588465" y="1690687"/>
-            <a:ext cx="0" cy="1444399"/>
-          </a:xfrm>
-          <a:prstGeom prst="line">
-            <a:avLst/>
-          </a:prstGeom>
-          <a:ln w="57150">
-            <a:solidFill>
-              <a:schemeClr val="tx2">
-                <a:lumMod val="60000"/>
-                <a:lumOff val="40000"/>
-              </a:schemeClr>
-            </a:solidFill>
-          </a:ln>
-        </p:spPr>
-        <p:style>
-          <a:lnRef idx="1">
-            <a:schemeClr val="accent1"/>
-          </a:lnRef>
-          <a:fillRef idx="0">
-            <a:schemeClr val="accent1"/>
-          </a:fillRef>
-          <a:effectRef idx="0">
-            <a:schemeClr val="accent1"/>
-          </a:effectRef>
-          <a:fontRef idx="minor">
-            <a:schemeClr val="tx1"/>
-          </a:fontRef>
-        </p:style>
-      </p:cxnSp>
-      <p:sp>
-        <p:nvSpPr>
-          <p:cNvPr id="11" name="Rectangle 10">
-            <a:extLst>
-              <a:ext uri="{FF2B5EF4-FFF2-40B4-BE49-F238E27FC236}">
-                <a16:creationId xmlns:a16="http://schemas.microsoft.com/office/drawing/2014/main" id="{65CEE192-CC0A-3547-8503-CD77DCCCDE73}"/>
-              </a:ext>
-            </a:extLst>
-          </p:cNvPr>
-          <p:cNvSpPr/>
-          <p:nvPr/>
-        </p:nvSpPr>
-        <p:spPr>
-          <a:xfrm>
-            <a:off x="10384216" y="3258207"/>
-            <a:ext cx="1292772" cy="840827"/>
-          </a:xfrm>
-          <a:prstGeom prst="rect">
-            <a:avLst/>
-          </a:prstGeom>
-          <a:solidFill>
-            <a:schemeClr val="tx2"/>
-          </a:solidFill>
-        </p:spPr>
-        <p:style>
-          <a:lnRef idx="2">
-            <a:schemeClr val="accent1">
-              <a:shade val="50000"/>
-            </a:schemeClr>
-          </a:lnRef>
-          <a:fillRef idx="1">
-            <a:schemeClr val="accent1"/>
-          </a:fillRef>
-          <a:effectRef idx="0">
-            <a:schemeClr val="accent1"/>
-          </a:effectRef>
-          <a:fontRef idx="minor">
-            <a:schemeClr val="lt1"/>
-          </a:fontRef>
-        </p:style>
-        <p:txBody>
-          <a:bodyPr rtlCol="0" anchor="ctr"/>
-          <a:lstStyle/>
-          <a:p>
-            <a:pPr algn="ctr"/>
-            <a:r>
-              <a:rPr lang="en-US" dirty="0"/>
-              <a:t>MOT Region</a:t>
-            </a:r>
-          </a:p>
-        </p:txBody>
-      </p:sp>
-      <p:sp>
-        <p:nvSpPr>
-          <p:cNvPr id="12" name="TextBox 11">
-            <a:extLst>
-              <a:ext uri="{FF2B5EF4-FFF2-40B4-BE49-F238E27FC236}">
-                <a16:creationId xmlns:a16="http://schemas.microsoft.com/office/drawing/2014/main" id="{D93D54EB-EFD1-6E4C-AD96-C6DFF8BA62E2}"/>
-              </a:ext>
-            </a:extLst>
-          </p:cNvPr>
-          <p:cNvSpPr txBox="1"/>
-          <p:nvPr/>
-        </p:nvSpPr>
-        <p:spPr>
-          <a:xfrm>
-            <a:off x="2900852" y="1786759"/>
-            <a:ext cx="1156121" cy="923330"/>
-          </a:xfrm>
-          <a:prstGeom prst="rect">
-            <a:avLst/>
-          </a:prstGeom>
-          <a:noFill/>
-        </p:spPr>
-        <p:txBody>
-          <a:bodyPr wrap="square" rtlCol="0">
-            <a:spAutoFit/>
-          </a:bodyPr>
-          <a:lstStyle/>
-          <a:p>
-            <a:r>
-              <a:rPr lang="en-US" dirty="0"/>
-              <a:t>4K Aperture,</a:t>
-            </a:r>
-          </a:p>
-          <a:p>
-            <a:r>
-              <a:rPr lang="en-US" dirty="0"/>
-              <a:t>1 cm</a:t>
-            </a:r>
-          </a:p>
-        </p:txBody>
-      </p:sp>
-      <p:sp>
-        <p:nvSpPr>
-          <p:cNvPr id="13" name="TextBox 12">
-            <a:extLst>
-              <a:ext uri="{FF2B5EF4-FFF2-40B4-BE49-F238E27FC236}">
-                <a16:creationId xmlns:a16="http://schemas.microsoft.com/office/drawing/2014/main" id="{C0CCEC76-B20B-884C-ADD3-1466EF0E4DA6}"/>
-              </a:ext>
-            </a:extLst>
-          </p:cNvPr>
-          <p:cNvSpPr txBox="1"/>
-          <p:nvPr/>
-        </p:nvSpPr>
-        <p:spPr>
-          <a:xfrm>
-            <a:off x="7609489" y="1797270"/>
-            <a:ext cx="1156121" cy="923330"/>
-          </a:xfrm>
-          <a:prstGeom prst="rect">
-            <a:avLst/>
-          </a:prstGeom>
-          <a:noFill/>
-        </p:spPr>
-        <p:txBody>
-          <a:bodyPr wrap="square" rtlCol="0">
-            <a:spAutoFit/>
-          </a:bodyPr>
-          <a:lstStyle/>
-          <a:p>
-            <a:r>
-              <a:rPr lang="en-US" dirty="0"/>
-              <a:t>Beam Shutter,</a:t>
-            </a:r>
-          </a:p>
-          <a:p>
-            <a:r>
-              <a:rPr lang="en-US" dirty="0"/>
-              <a:t>1.4 cm</a:t>
-            </a:r>
-          </a:p>
-        </p:txBody>
-      </p:sp>
-      <p:cxnSp>
-        <p:nvCxnSpPr>
-          <p:cNvPr id="15" name="Straight Arrow Connector 14">
-            <a:extLst>
-              <a:ext uri="{FF2B5EF4-FFF2-40B4-BE49-F238E27FC236}">
-                <a16:creationId xmlns:a16="http://schemas.microsoft.com/office/drawing/2014/main" id="{CD88B708-A705-1440-9B42-F9F62BE72DE8}"/>
-              </a:ext>
-            </a:extLst>
-          </p:cNvPr>
-          <p:cNvCxnSpPr>
-            <a:cxnSpLocks/>
-            <a:stCxn id="4" idx="3"/>
-          </p:cNvCxnSpPr>
-          <p:nvPr/>
-        </p:nvCxnSpPr>
-        <p:spPr>
-          <a:xfrm>
-            <a:off x="1566038" y="3678621"/>
-            <a:ext cx="1313793" cy="0"/>
-          </a:xfrm>
-          <a:prstGeom prst="straightConnector1">
-            <a:avLst/>
-          </a:prstGeom>
-          <a:ln>
-            <a:headEnd type="triangle"/>
-            <a:tailEnd type="triangle"/>
-          </a:ln>
-        </p:spPr>
-        <p:style>
-          <a:lnRef idx="1">
-            <a:schemeClr val="accent1"/>
-          </a:lnRef>
-          <a:fillRef idx="0">
-            <a:schemeClr val="accent1"/>
-          </a:fillRef>
-          <a:effectRef idx="0">
-            <a:schemeClr val="accent1"/>
-          </a:effectRef>
-          <a:fontRef idx="minor">
-            <a:schemeClr val="tx1"/>
-          </a:fontRef>
-        </p:style>
-      </p:cxnSp>
-      <p:sp>
-        <p:nvSpPr>
-          <p:cNvPr id="16" name="TextBox 15">
-            <a:extLst>
-              <a:ext uri="{FF2B5EF4-FFF2-40B4-BE49-F238E27FC236}">
-                <a16:creationId xmlns:a16="http://schemas.microsoft.com/office/drawing/2014/main" id="{11BAF27D-CF48-F543-9CDA-C6380D1C65A6}"/>
-              </a:ext>
-            </a:extLst>
-          </p:cNvPr>
-          <p:cNvSpPr txBox="1"/>
-          <p:nvPr/>
-        </p:nvSpPr>
-        <p:spPr>
-          <a:xfrm>
-            <a:off x="1855068" y="3369145"/>
-            <a:ext cx="840801" cy="369332"/>
-          </a:xfrm>
-          <a:prstGeom prst="rect">
-            <a:avLst/>
-          </a:prstGeom>
-          <a:noFill/>
-        </p:spPr>
-        <p:txBody>
-          <a:bodyPr wrap="square" rtlCol="0">
-            <a:spAutoFit/>
-          </a:bodyPr>
-          <a:lstStyle/>
-          <a:p>
-            <a:r>
-              <a:rPr lang="en-US" dirty="0"/>
-              <a:t> 10 cm</a:t>
-            </a:r>
-          </a:p>
-        </p:txBody>
-      </p:sp>
-      <p:cxnSp>
-        <p:nvCxnSpPr>
-          <p:cNvPr id="20" name="Straight Arrow Connector 19">
-            <a:extLst>
-              <a:ext uri="{FF2B5EF4-FFF2-40B4-BE49-F238E27FC236}">
-                <a16:creationId xmlns:a16="http://schemas.microsoft.com/office/drawing/2014/main" id="{CBB309B8-E214-4C4D-BFB4-6FF82FFC4D0A}"/>
-              </a:ext>
-            </a:extLst>
-          </p:cNvPr>
-          <p:cNvCxnSpPr>
-            <a:cxnSpLocks/>
-            <a:stCxn id="8" idx="3"/>
-            <a:endCxn id="11" idx="1"/>
-          </p:cNvCxnSpPr>
-          <p:nvPr/>
-        </p:nvCxnSpPr>
-        <p:spPr>
-          <a:xfrm>
-            <a:off x="5538918" y="3678621"/>
-            <a:ext cx="4845298" cy="0"/>
-          </a:xfrm>
-          <a:prstGeom prst="straightConnector1">
-            <a:avLst/>
-          </a:prstGeom>
-          <a:ln>
-            <a:headEnd type="triangle"/>
-            <a:tailEnd type="triangle"/>
-          </a:ln>
-        </p:spPr>
-        <p:style>
-          <a:lnRef idx="1">
-            <a:schemeClr val="accent1"/>
-          </a:lnRef>
-          <a:fillRef idx="0">
-            <a:schemeClr val="accent1"/>
-          </a:fillRef>
-          <a:effectRef idx="0">
-            <a:schemeClr val="accent1"/>
-          </a:effectRef>
-          <a:fontRef idx="minor">
-            <a:schemeClr val="tx1"/>
-          </a:fontRef>
-        </p:style>
-      </p:cxnSp>
-      <p:sp>
-        <p:nvSpPr>
-          <p:cNvPr id="21" name="TextBox 20">
-            <a:extLst>
-              <a:ext uri="{FF2B5EF4-FFF2-40B4-BE49-F238E27FC236}">
-                <a16:creationId xmlns:a16="http://schemas.microsoft.com/office/drawing/2014/main" id="{2EF2960E-5057-FD4E-A939-48B0A8F32F79}"/>
-              </a:ext>
-            </a:extLst>
-          </p:cNvPr>
-          <p:cNvSpPr txBox="1"/>
-          <p:nvPr/>
-        </p:nvSpPr>
-        <p:spPr>
-          <a:xfrm>
-            <a:off x="4666598" y="2685973"/>
-            <a:ext cx="987964" cy="369332"/>
-          </a:xfrm>
-          <a:prstGeom prst="rect">
-            <a:avLst/>
-          </a:prstGeom>
-          <a:noFill/>
-        </p:spPr>
-        <p:txBody>
-          <a:bodyPr wrap="square" rtlCol="0">
-            <a:spAutoFit/>
-          </a:bodyPr>
-          <a:lstStyle/>
-          <a:p>
-            <a:r>
-              <a:rPr lang="en-US" dirty="0"/>
-              <a:t>2.54 cm</a:t>
-            </a:r>
-          </a:p>
-        </p:txBody>
-      </p:sp>
-      <p:cxnSp>
-        <p:nvCxnSpPr>
-          <p:cNvPr id="22" name="Straight Arrow Connector 21">
-            <a:extLst>
-              <a:ext uri="{FF2B5EF4-FFF2-40B4-BE49-F238E27FC236}">
-                <a16:creationId xmlns:a16="http://schemas.microsoft.com/office/drawing/2014/main" id="{C26CEE9B-2528-C042-A9F8-8C692E10D891}"/>
-              </a:ext>
-            </a:extLst>
-          </p:cNvPr>
-          <p:cNvCxnSpPr>
-            <a:cxnSpLocks/>
-          </p:cNvCxnSpPr>
-          <p:nvPr/>
-        </p:nvCxnSpPr>
-        <p:spPr>
-          <a:xfrm>
-            <a:off x="4698101" y="3016469"/>
-            <a:ext cx="840817" cy="0"/>
-          </a:xfrm>
-          <a:prstGeom prst="straightConnector1">
-            <a:avLst/>
-          </a:prstGeom>
-          <a:ln>
-            <a:headEnd type="triangle"/>
-            <a:tailEnd type="triangle"/>
-          </a:ln>
-        </p:spPr>
-        <p:style>
-          <a:lnRef idx="1">
-            <a:schemeClr val="accent1"/>
-          </a:lnRef>
-          <a:fillRef idx="0">
-            <a:schemeClr val="accent1"/>
-          </a:fillRef>
-          <a:effectRef idx="0">
-            <a:schemeClr val="accent1"/>
-          </a:effectRef>
-          <a:fontRef idx="minor">
-            <a:schemeClr val="tx1"/>
-          </a:fontRef>
-        </p:style>
-      </p:cxnSp>
-      <p:sp>
-        <p:nvSpPr>
-          <p:cNvPr id="25" name="TextBox 24">
-            <a:extLst>
-              <a:ext uri="{FF2B5EF4-FFF2-40B4-BE49-F238E27FC236}">
-                <a16:creationId xmlns:a16="http://schemas.microsoft.com/office/drawing/2014/main" id="{9D6B92D4-7EBF-A74B-98B0-BD10C71270BD}"/>
-              </a:ext>
-            </a:extLst>
-          </p:cNvPr>
-          <p:cNvSpPr txBox="1"/>
-          <p:nvPr/>
-        </p:nvSpPr>
-        <p:spPr>
-          <a:xfrm>
-            <a:off x="7241628" y="3369145"/>
-            <a:ext cx="987964" cy="369332"/>
-          </a:xfrm>
-          <a:prstGeom prst="rect">
-            <a:avLst/>
-          </a:prstGeom>
-          <a:noFill/>
-        </p:spPr>
-        <p:txBody>
-          <a:bodyPr wrap="square" rtlCol="0">
-            <a:spAutoFit/>
-          </a:bodyPr>
-          <a:lstStyle/>
-          <a:p>
-            <a:r>
-              <a:rPr lang="en-US" dirty="0"/>
-              <a:t>32 cm</a:t>
-            </a:r>
-          </a:p>
-        </p:txBody>
-      </p:sp>
-      <p:cxnSp>
-        <p:nvCxnSpPr>
-          <p:cNvPr id="19" name="Straight Arrow Connector 18">
-            <a:extLst>
-              <a:ext uri="{FF2B5EF4-FFF2-40B4-BE49-F238E27FC236}">
-                <a16:creationId xmlns:a16="http://schemas.microsoft.com/office/drawing/2014/main" id="{4062CB9C-99C4-0943-818A-5FF1FA7357FF}"/>
-              </a:ext>
-            </a:extLst>
-          </p:cNvPr>
-          <p:cNvCxnSpPr>
-            <a:cxnSpLocks/>
-            <a:endCxn id="8" idx="1"/>
-          </p:cNvCxnSpPr>
-          <p:nvPr/>
-        </p:nvCxnSpPr>
-        <p:spPr>
-          <a:xfrm>
-            <a:off x="2861438" y="3678621"/>
-            <a:ext cx="1836681" cy="0"/>
-          </a:xfrm>
-          <a:prstGeom prst="straightConnector1">
-            <a:avLst/>
-          </a:prstGeom>
-          <a:ln>
-            <a:headEnd type="triangle"/>
-            <a:tailEnd type="triangle"/>
-          </a:ln>
-        </p:spPr>
-        <p:style>
-          <a:lnRef idx="1">
-            <a:schemeClr val="accent1"/>
-          </a:lnRef>
-          <a:fillRef idx="0">
-            <a:schemeClr val="accent1"/>
-          </a:fillRef>
-          <a:effectRef idx="0">
-            <a:schemeClr val="accent1"/>
-          </a:effectRef>
-          <a:fontRef idx="minor">
-            <a:schemeClr val="tx1"/>
-          </a:fontRef>
-        </p:style>
-      </p:cxnSp>
-      <p:sp>
-        <p:nvSpPr>
-          <p:cNvPr id="23" name="TextBox 22">
-            <a:extLst>
-              <a:ext uri="{FF2B5EF4-FFF2-40B4-BE49-F238E27FC236}">
-                <a16:creationId xmlns:a16="http://schemas.microsoft.com/office/drawing/2014/main" id="{431930E3-EBE5-9245-BC67-6A9A95E99C22}"/>
-              </a:ext>
-            </a:extLst>
-          </p:cNvPr>
-          <p:cNvSpPr txBox="1"/>
-          <p:nvPr/>
-        </p:nvSpPr>
-        <p:spPr>
-          <a:xfrm>
-            <a:off x="3375843" y="3369145"/>
-            <a:ext cx="840801" cy="369332"/>
-          </a:xfrm>
-          <a:prstGeom prst="rect">
-            <a:avLst/>
-          </a:prstGeom>
-          <a:noFill/>
-        </p:spPr>
-        <p:txBody>
-          <a:bodyPr wrap="square" rtlCol="0">
-            <a:spAutoFit/>
-          </a:bodyPr>
-          <a:lstStyle/>
-          <a:p>
-            <a:pPr algn="ctr"/>
-            <a:r>
-              <a:rPr lang="en-US" b="1" dirty="0">
-                <a:solidFill>
-                  <a:schemeClr val="accent4"/>
-                </a:solidFill>
-              </a:rPr>
-              <a:t>Varied</a:t>
-            </a:r>
-          </a:p>
-        </p:txBody>
-      </p:sp>
+        </p:spPr>
+      </p:pic>
     </p:spTree>
     <p:extLst>
       <p:ext uri="{BB962C8B-B14F-4D97-AF65-F5344CB8AC3E}">
-        <p14:creationId xmlns:p14="http://schemas.microsoft.com/office/powerpoint/2010/main" val="2346104174"/>
+        <p14:creationId xmlns:p14="http://schemas.microsoft.com/office/powerpoint/2010/main" val="183316515"/>
       </p:ext>
     </p:extLst>
   </p:cSld>
@@ -6314,217 +5176,6 @@
           <a:chExt cx="0" cy="0"/>
         </a:xfrm>
       </p:grpSpPr>
-      <p:sp>
-        <p:nvSpPr>
-          <p:cNvPr id="2" name="Title 1">
-            <a:extLst>
-              <a:ext uri="{FF2B5EF4-FFF2-40B4-BE49-F238E27FC236}">
-                <a16:creationId xmlns:a16="http://schemas.microsoft.com/office/drawing/2014/main" id="{05E6DCF3-BEA1-2D46-920D-2552737E5E7A}"/>
-              </a:ext>
-            </a:extLst>
-          </p:cNvPr>
-          <p:cNvSpPr>
-            <a:spLocks noGrp="1"/>
-          </p:cNvSpPr>
-          <p:nvPr>
-            <p:ph type="title"/>
-          </p:nvPr>
-        </p:nvSpPr>
-        <p:spPr/>
-        <p:txBody>
-          <a:bodyPr/>
-          <a:lstStyle/>
-          <a:p>
-            <a:r>
-              <a:rPr lang="en-US" dirty="0"/>
-              <a:t>Parameter Scan</a:t>
-            </a:r>
-          </a:p>
-        </p:txBody>
-      </p:sp>
-      <p:sp>
-        <p:nvSpPr>
-          <p:cNvPr id="4" name="Content Placeholder 2">
-            <a:extLst>
-              <a:ext uri="{FF2B5EF4-FFF2-40B4-BE49-F238E27FC236}">
-                <a16:creationId xmlns:a16="http://schemas.microsoft.com/office/drawing/2014/main" id="{62C73563-E85B-C446-AA5A-4341341DEDE0}"/>
-              </a:ext>
-            </a:extLst>
-          </p:cNvPr>
-          <p:cNvSpPr>
-            <a:spLocks noGrp="1"/>
-          </p:cNvSpPr>
-          <p:nvPr>
-            <p:ph idx="1"/>
-          </p:nvPr>
-        </p:nvSpPr>
-        <p:spPr>
-          <a:xfrm>
-            <a:off x="8581321" y="2549342"/>
-            <a:ext cx="3218793" cy="1924687"/>
-          </a:xfrm>
-        </p:spPr>
-        <p:txBody>
-          <a:bodyPr>
-            <a:normAutofit/>
-          </a:bodyPr>
-          <a:lstStyle/>
-          <a:p>
-            <a:r>
-              <a:rPr lang="en-US" dirty="0"/>
-              <a:t>Yield ratio peaked when lens situated about 30 cm from cell aperture</a:t>
-            </a:r>
-          </a:p>
-        </p:txBody>
-      </p:sp>
-      <p:pic>
-        <p:nvPicPr>
-          <p:cNvPr id="5" name="Picture 4" descr="A picture containing person&#10;&#10;Description automatically generated">
-            <a:extLst>
-              <a:ext uri="{FF2B5EF4-FFF2-40B4-BE49-F238E27FC236}">
-                <a16:creationId xmlns:a16="http://schemas.microsoft.com/office/drawing/2014/main" id="{81F107B9-1AB3-F94A-9E2B-F0015B89F7D3}"/>
-              </a:ext>
-            </a:extLst>
-          </p:cNvPr>
-          <p:cNvPicPr>
-            <a:picLocks noChangeAspect="1"/>
-          </p:cNvPicPr>
-          <p:nvPr/>
-        </p:nvPicPr>
-        <p:blipFill>
-          <a:blip r:embed="rId2"/>
-          <a:stretch>
-            <a:fillRect/>
-          </a:stretch>
-        </p:blipFill>
-        <p:spPr>
-          <a:xfrm>
-            <a:off x="838200" y="1585913"/>
-            <a:ext cx="7263821" cy="4748212"/>
-          </a:xfrm>
-          <a:prstGeom prst="rect">
-            <a:avLst/>
-          </a:prstGeom>
-        </p:spPr>
-      </p:pic>
-    </p:spTree>
-    <p:extLst>
-      <p:ext uri="{BB962C8B-B14F-4D97-AF65-F5344CB8AC3E}">
-        <p14:creationId xmlns:p14="http://schemas.microsoft.com/office/powerpoint/2010/main" val="183316515"/>
-      </p:ext>
-    </p:extLst>
-  </p:cSld>
-  <p:clrMapOvr>
-    <a:masterClrMapping/>
-  </p:clrMapOvr>
-</p:sld>
-</file>
-
-<file path=ppt/slides/slide6.xml><?xml version="1.0" encoding="utf-8"?>
-<p:sld xmlns:a="http://schemas.openxmlformats.org/drawingml/2006/main" xmlns:r="http://schemas.openxmlformats.org/officeDocument/2006/relationships" xmlns:p="http://schemas.openxmlformats.org/presentationml/2006/main">
-  <p:cSld>
-    <p:spTree>
-      <p:nvGrpSpPr>
-        <p:cNvPr id="1" name=""/>
-        <p:cNvGrpSpPr/>
-        <p:nvPr/>
-      </p:nvGrpSpPr>
-      <p:grpSpPr>
-        <a:xfrm>
-          <a:off x="0" y="0"/>
-          <a:ext cx="0" cy="0"/>
-          <a:chOff x="0" y="0"/>
-          <a:chExt cx="0" cy="0"/>
-        </a:xfrm>
-      </p:grpSpPr>
-      <p:sp>
-        <p:nvSpPr>
-          <p:cNvPr id="2" name="Title 1">
-            <a:extLst>
-              <a:ext uri="{FF2B5EF4-FFF2-40B4-BE49-F238E27FC236}">
-                <a16:creationId xmlns:a16="http://schemas.microsoft.com/office/drawing/2014/main" id="{05E6DCF3-BEA1-2D46-920D-2552737E5E7A}"/>
-              </a:ext>
-            </a:extLst>
-          </p:cNvPr>
-          <p:cNvSpPr>
-            <a:spLocks noGrp="1"/>
-          </p:cNvSpPr>
-          <p:nvPr>
-            <p:ph type="title"/>
-          </p:nvPr>
-        </p:nvSpPr>
-        <p:spPr/>
-        <p:txBody>
-          <a:bodyPr/>
-          <a:lstStyle/>
-          <a:p>
-            <a:r>
-              <a:rPr lang="en-US" dirty="0"/>
-              <a:t>Parameter Scan</a:t>
-            </a:r>
-          </a:p>
-        </p:txBody>
-      </p:sp>
-      <p:pic>
-        <p:nvPicPr>
-          <p:cNvPr id="4" name="Picture 3" descr="A close up of a piece of paper&#10;&#10;Description automatically generated">
-            <a:extLst>
-              <a:ext uri="{FF2B5EF4-FFF2-40B4-BE49-F238E27FC236}">
-                <a16:creationId xmlns:a16="http://schemas.microsoft.com/office/drawing/2014/main" id="{A0739CF2-00E9-9C42-9BA6-8F4FED1AB101}"/>
-              </a:ext>
-            </a:extLst>
-          </p:cNvPr>
-          <p:cNvPicPr>
-            <a:picLocks noChangeAspect="1"/>
-          </p:cNvPicPr>
-          <p:nvPr/>
-        </p:nvPicPr>
-        <p:blipFill>
-          <a:blip r:embed="rId2"/>
-          <a:stretch>
-            <a:fillRect/>
-          </a:stretch>
-        </p:blipFill>
-        <p:spPr>
-          <a:xfrm>
-            <a:off x="2793206" y="1306286"/>
-            <a:ext cx="6605588" cy="4954191"/>
-          </a:xfrm>
-          <a:prstGeom prst="rect">
-            <a:avLst/>
-          </a:prstGeom>
-        </p:spPr>
-      </p:pic>
-    </p:spTree>
-    <p:extLst>
-      <p:ext uri="{BB962C8B-B14F-4D97-AF65-F5344CB8AC3E}">
-        <p14:creationId xmlns:p14="http://schemas.microsoft.com/office/powerpoint/2010/main" val="598617376"/>
-      </p:ext>
-    </p:extLst>
-  </p:cSld>
-  <p:clrMapOvr>
-    <a:masterClrMapping/>
-  </p:clrMapOvr>
-</p:sld>
-</file>
-
-<file path=ppt/slides/slide7.xml><?xml version="1.0" encoding="utf-8"?>
-<p:sld xmlns:a="http://schemas.openxmlformats.org/drawingml/2006/main" xmlns:r="http://schemas.openxmlformats.org/officeDocument/2006/relationships" xmlns:p="http://schemas.openxmlformats.org/presentationml/2006/main">
-  <p:cSld>
-    <p:spTree>
-      <p:nvGrpSpPr>
-        <p:cNvPr id="1" name=""/>
-        <p:cNvGrpSpPr/>
-        <p:nvPr/>
-      </p:nvGrpSpPr>
-      <p:grpSpPr>
-        <a:xfrm>
-          <a:off x="0" y="0"/>
-          <a:ext cx="0" cy="0"/>
-          <a:chOff x="0" y="0"/>
-          <a:chExt cx="0" cy="0"/>
-        </a:xfrm>
-      </p:grpSpPr>
       <p:pic>
         <p:nvPicPr>
           <p:cNvPr id="5" name="Picture 4" descr="A picture containing map&#10;&#10;Description automatically generated">
@@ -6598,7 +5249,7 @@
 </p:sld>
 </file>
 
-<file path=ppt/slides/slide8.xml><?xml version="1.0" encoding="utf-8"?>
+<file path=ppt/slides/slide6.xml><?xml version="1.0" encoding="utf-8"?>
 <p:sld xmlns:a="http://schemas.openxmlformats.org/drawingml/2006/main" xmlns:r="http://schemas.openxmlformats.org/officeDocument/2006/relationships" xmlns:p="http://schemas.openxmlformats.org/presentationml/2006/main">
   <p:cSld>
     <p:spTree>
@@ -7670,6 +6321,254 @@
 </p:sld>
 </file>
 
+<file path=ppt/slides/slide7.xml><?xml version="1.0" encoding="utf-8"?>
+<p:sld xmlns:a="http://schemas.openxmlformats.org/drawingml/2006/main" xmlns:r="http://schemas.openxmlformats.org/officeDocument/2006/relationships" xmlns:p="http://schemas.openxmlformats.org/presentationml/2006/main">
+  <p:cSld>
+    <p:spTree>
+      <p:nvGrpSpPr>
+        <p:cNvPr id="1" name=""/>
+        <p:cNvGrpSpPr/>
+        <p:nvPr/>
+      </p:nvGrpSpPr>
+      <p:grpSpPr>
+        <a:xfrm>
+          <a:off x="0" y="0"/>
+          <a:ext cx="0" cy="0"/>
+          <a:chOff x="0" y="0"/>
+          <a:chExt cx="0" cy="0"/>
+        </a:xfrm>
+      </p:grpSpPr>
+      <p:sp>
+        <p:nvSpPr>
+          <p:cNvPr id="2" name="Title 1">
+            <a:extLst>
+              <a:ext uri="{FF2B5EF4-FFF2-40B4-BE49-F238E27FC236}">
+                <a16:creationId xmlns:a16="http://schemas.microsoft.com/office/drawing/2014/main" id="{AE8390BC-FB37-7A49-8A57-EE2224755FD4}"/>
+              </a:ext>
+            </a:extLst>
+          </p:cNvPr>
+          <p:cNvSpPr>
+            <a:spLocks noGrp="1"/>
+          </p:cNvSpPr>
+          <p:nvPr>
+            <p:ph type="title"/>
+          </p:nvPr>
+        </p:nvSpPr>
+        <p:spPr/>
+        <p:txBody>
+          <a:bodyPr/>
+          <a:lstStyle/>
+          <a:p>
+            <a:r>
+              <a:rPr lang="en-US" dirty="0"/>
+              <a:t>Double Lens: Preliminary Results</a:t>
+            </a:r>
+          </a:p>
+        </p:txBody>
+      </p:sp>
+      <p:pic>
+        <p:nvPicPr>
+          <p:cNvPr id="7" name="Picture 6" descr="A picture containing game&#10;&#10;Description automatically generated">
+            <a:extLst>
+              <a:ext uri="{FF2B5EF4-FFF2-40B4-BE49-F238E27FC236}">
+                <a16:creationId xmlns:a16="http://schemas.microsoft.com/office/drawing/2014/main" id="{DFF1A8F3-685A-7344-A465-41A7458C1F27}"/>
+              </a:ext>
+            </a:extLst>
+          </p:cNvPr>
+          <p:cNvPicPr>
+            <a:picLocks noChangeAspect="1"/>
+          </p:cNvPicPr>
+          <p:nvPr/>
+        </p:nvPicPr>
+        <p:blipFill>
+          <a:blip r:embed="rId2"/>
+          <a:stretch>
+            <a:fillRect/>
+          </a:stretch>
+        </p:blipFill>
+        <p:spPr>
+          <a:xfrm>
+            <a:off x="838200" y="1406525"/>
+            <a:ext cx="6781800" cy="5086350"/>
+          </a:xfrm>
+          <a:prstGeom prst="rect">
+            <a:avLst/>
+          </a:prstGeom>
+        </p:spPr>
+      </p:pic>
+      <p:sp>
+        <p:nvSpPr>
+          <p:cNvPr id="8" name="Content Placeholder 2">
+            <a:extLst>
+              <a:ext uri="{FF2B5EF4-FFF2-40B4-BE49-F238E27FC236}">
+                <a16:creationId xmlns:a16="http://schemas.microsoft.com/office/drawing/2014/main" id="{FE0CB60A-2E92-6143-9145-9774F60F7091}"/>
+              </a:ext>
+            </a:extLst>
+          </p:cNvPr>
+          <p:cNvSpPr>
+            <a:spLocks noGrp="1"/>
+          </p:cNvSpPr>
+          <p:nvPr>
+            <p:ph idx="1"/>
+          </p:nvPr>
+        </p:nvSpPr>
+        <p:spPr>
+          <a:xfrm>
+            <a:off x="8135007" y="2238702"/>
+            <a:ext cx="3218793" cy="4619298"/>
+          </a:xfrm>
+        </p:spPr>
+        <p:txBody>
+          <a:bodyPr>
+            <a:normAutofit/>
+          </a:bodyPr>
+          <a:lstStyle/>
+          <a:p>
+            <a:r>
+              <a:rPr lang="en-US" dirty="0"/>
+              <a:t>Yield ratio: quite high, number enhancement hovers around ~2x that of without any magnetic lens</a:t>
+            </a:r>
+          </a:p>
+          <a:p>
+            <a:r>
+              <a:rPr lang="en-US" dirty="0"/>
+              <a:t>Still need to generate full heatmap with 2D scan, pipeline WIP</a:t>
+            </a:r>
+          </a:p>
+        </p:txBody>
+      </p:sp>
+    </p:spTree>
+    <p:extLst>
+      <p:ext uri="{BB962C8B-B14F-4D97-AF65-F5344CB8AC3E}">
+        <p14:creationId xmlns:p14="http://schemas.microsoft.com/office/powerpoint/2010/main" val="3045589807"/>
+      </p:ext>
+    </p:extLst>
+  </p:cSld>
+  <p:clrMapOvr>
+    <a:masterClrMapping/>
+  </p:clrMapOvr>
+</p:sld>
+</file>
+
+<file path=ppt/slides/slide8.xml><?xml version="1.0" encoding="utf-8"?>
+<p:sld xmlns:a="http://schemas.openxmlformats.org/drawingml/2006/main" xmlns:r="http://schemas.openxmlformats.org/officeDocument/2006/relationships" xmlns:p="http://schemas.openxmlformats.org/presentationml/2006/main">
+  <p:cSld>
+    <p:spTree>
+      <p:nvGrpSpPr>
+        <p:cNvPr id="1" name=""/>
+        <p:cNvGrpSpPr/>
+        <p:nvPr/>
+      </p:nvGrpSpPr>
+      <p:grpSpPr>
+        <a:xfrm>
+          <a:off x="0" y="0"/>
+          <a:ext cx="0" cy="0"/>
+          <a:chOff x="0" y="0"/>
+          <a:chExt cx="0" cy="0"/>
+        </a:xfrm>
+      </p:grpSpPr>
+      <p:sp>
+        <p:nvSpPr>
+          <p:cNvPr id="2" name="Title 1">
+            <a:extLst>
+              <a:ext uri="{FF2B5EF4-FFF2-40B4-BE49-F238E27FC236}">
+                <a16:creationId xmlns:a16="http://schemas.microsoft.com/office/drawing/2014/main" id="{AFEF46F3-E7B6-9F4F-B4AB-5FAD8DB0C0A9}"/>
+              </a:ext>
+            </a:extLst>
+          </p:cNvPr>
+          <p:cNvSpPr>
+            <a:spLocks noGrp="1"/>
+          </p:cNvSpPr>
+          <p:nvPr>
+            <p:ph type="title"/>
+          </p:nvPr>
+        </p:nvSpPr>
+        <p:spPr/>
+        <p:txBody>
+          <a:bodyPr/>
+          <a:lstStyle/>
+          <a:p>
+            <a:r>
+              <a:rPr lang="en-US" dirty="0"/>
+              <a:t>WIP</a:t>
+            </a:r>
+          </a:p>
+        </p:txBody>
+      </p:sp>
+      <p:sp>
+        <p:nvSpPr>
+          <p:cNvPr id="3" name="Content Placeholder 2">
+            <a:extLst>
+              <a:ext uri="{FF2B5EF4-FFF2-40B4-BE49-F238E27FC236}">
+                <a16:creationId xmlns:a16="http://schemas.microsoft.com/office/drawing/2014/main" id="{AF88B8AF-0719-FE47-A6F2-01B5FE14D1F9}"/>
+              </a:ext>
+            </a:extLst>
+          </p:cNvPr>
+          <p:cNvSpPr>
+            <a:spLocks noGrp="1"/>
+          </p:cNvSpPr>
+          <p:nvPr>
+            <p:ph idx="1"/>
+          </p:nvPr>
+        </p:nvSpPr>
+        <p:spPr/>
+        <p:txBody>
+          <a:bodyPr/>
+          <a:lstStyle/>
+          <a:p>
+            <a:r>
+              <a:rPr lang="en-US" dirty="0"/>
+              <a:t>Two Lens Scan with 2 successive lenses (varying length of magnet)</a:t>
+            </a:r>
+          </a:p>
+          <a:p>
+            <a:r>
+              <a:rPr lang="en-US" dirty="0"/>
+              <a:t>Laser slowing</a:t>
+            </a:r>
+          </a:p>
+          <a:p>
+            <a:r>
+              <a:rPr lang="en-US" dirty="0"/>
+              <a:t>Long-term: Zeeman-Sisyphus</a:t>
+            </a:r>
+          </a:p>
+          <a:p>
+            <a:pPr lvl="1"/>
+            <a:r>
+              <a:rPr lang="en-US" dirty="0"/>
+              <a:t>Simple analytical form of B-field</a:t>
+            </a:r>
+          </a:p>
+          <a:p>
+            <a:pPr lvl="1"/>
+            <a:r>
+              <a:rPr lang="en-US" dirty="0"/>
+              <a:t>Accurate B-field model, spin sign change with optical pumping </a:t>
+            </a:r>
+            <a:r>
+              <a:rPr lang="en-US" dirty="0">
+                <a:sym typeface="Wingdings" pitchFamily="2" charset="2"/>
+              </a:rPr>
+              <a:t> slowing</a:t>
+            </a:r>
+            <a:endParaRPr lang="en-US" dirty="0"/>
+          </a:p>
+        </p:txBody>
+      </p:sp>
+    </p:spTree>
+    <p:extLst>
+      <p:ext uri="{BB962C8B-B14F-4D97-AF65-F5344CB8AC3E}">
+        <p14:creationId xmlns:p14="http://schemas.microsoft.com/office/powerpoint/2010/main" val="1298420144"/>
+      </p:ext>
+    </p:extLst>
+  </p:cSld>
+  <p:clrMapOvr>
+    <a:masterClrMapping/>
+  </p:clrMapOvr>
+</p:sld>
+</file>
+
 <file path=ppt/slides/slide9.xml><?xml version="1.0" encoding="utf-8"?>
 <p:sld xmlns:a="http://schemas.openxmlformats.org/drawingml/2006/main" xmlns:r="http://schemas.openxmlformats.org/officeDocument/2006/relationships" xmlns:p="http://schemas.openxmlformats.org/presentationml/2006/main">
   <p:cSld>
@@ -7692,7 +6591,7 @@
           <p:cNvPr id="2" name="Title 1">
             <a:extLst>
               <a:ext uri="{FF2B5EF4-FFF2-40B4-BE49-F238E27FC236}">
-                <a16:creationId xmlns:a16="http://schemas.microsoft.com/office/drawing/2014/main" id="{AE8390BC-FB37-7A49-8A57-EE2224755FD4}"/>
+                <a16:creationId xmlns:a16="http://schemas.microsoft.com/office/drawing/2014/main" id="{7A537DD1-114B-9C43-B3F0-CC215BA1ACD1}"/>
               </a:ext>
             </a:extLst>
           </p:cNvPr>
@@ -7703,93 +6602,894 @@
             <p:ph type="title"/>
           </p:nvPr>
         </p:nvSpPr>
-        <p:spPr/>
+        <p:spPr>
+          <a:xfrm>
+            <a:off x="472962" y="365124"/>
+            <a:ext cx="11506199" cy="1325563"/>
+          </a:xfrm>
+        </p:spPr>
         <p:txBody>
           <a:bodyPr/>
           <a:lstStyle/>
           <a:p>
             <a:r>
               <a:rPr lang="en-US" dirty="0"/>
-              <a:t>Double Lens: Preliminary Results</a:t>
-            </a:r>
-          </a:p>
-        </p:txBody>
-      </p:sp>
-      <p:pic>
-        <p:nvPicPr>
-          <p:cNvPr id="7" name="Picture 6" descr="A picture containing game&#10;&#10;Description automatically generated">
-            <a:extLst>
-              <a:ext uri="{FF2B5EF4-FFF2-40B4-BE49-F238E27FC236}">
-                <a16:creationId xmlns:a16="http://schemas.microsoft.com/office/drawing/2014/main" id="{DFF1A8F3-685A-7344-A465-41A7458C1F27}"/>
-              </a:ext>
-            </a:extLst>
-          </p:cNvPr>
-          <p:cNvPicPr>
-            <a:picLocks noChangeAspect="1"/>
-          </p:cNvPicPr>
+              <a:t>Experimental Setup: Zeeman-Sisyphus Preliminary</a:t>
+            </a:r>
+          </a:p>
+        </p:txBody>
+      </p:sp>
+      <p:sp>
+        <p:nvSpPr>
+          <p:cNvPr id="4" name="Rectangle 3">
+            <a:extLst>
+              <a:ext uri="{FF2B5EF4-FFF2-40B4-BE49-F238E27FC236}">
+                <a16:creationId xmlns:a16="http://schemas.microsoft.com/office/drawing/2014/main" id="{9A060907-149F-BC48-B8AA-DD2B5C1D7E60}"/>
+              </a:ext>
+            </a:extLst>
+          </p:cNvPr>
+          <p:cNvSpPr/>
           <p:nvPr/>
-        </p:nvPicPr>
-        <p:blipFill>
-          <a:blip r:embed="rId2"/>
-          <a:stretch>
-            <a:fillRect/>
-          </a:stretch>
-        </p:blipFill>
-        <p:spPr>
-          <a:xfrm>
-            <a:off x="838200" y="1406525"/>
-            <a:ext cx="6781800" cy="5086350"/>
+        </p:nvSpPr>
+        <p:spPr>
+          <a:xfrm>
+            <a:off x="472962" y="3258207"/>
+            <a:ext cx="1093076" cy="840827"/>
           </a:xfrm>
           <a:prstGeom prst="rect">
             <a:avLst/>
           </a:prstGeom>
-        </p:spPr>
-      </p:pic>
-      <p:sp>
-        <p:nvSpPr>
-          <p:cNvPr id="8" name="Content Placeholder 2">
-            <a:extLst>
-              <a:ext uri="{FF2B5EF4-FFF2-40B4-BE49-F238E27FC236}">
-                <a16:creationId xmlns:a16="http://schemas.microsoft.com/office/drawing/2014/main" id="{FE0CB60A-2E92-6143-9145-9774F60F7091}"/>
-              </a:ext>
-            </a:extLst>
-          </p:cNvPr>
-          <p:cNvSpPr>
-            <a:spLocks noGrp="1"/>
-          </p:cNvSpPr>
-          <p:nvPr>
-            <p:ph idx="1"/>
-          </p:nvPr>
-        </p:nvSpPr>
-        <p:spPr>
-          <a:xfrm>
-            <a:off x="8135007" y="2238702"/>
-            <a:ext cx="3218793" cy="4619298"/>
-          </a:xfrm>
-        </p:spPr>
-        <p:txBody>
-          <a:bodyPr>
-            <a:normAutofit/>
+          <a:solidFill>
+            <a:schemeClr val="tx2">
+              <a:lumMod val="50000"/>
+            </a:schemeClr>
+          </a:solidFill>
+        </p:spPr>
+        <p:style>
+          <a:lnRef idx="2">
+            <a:schemeClr val="accent1">
+              <a:shade val="50000"/>
+            </a:schemeClr>
+          </a:lnRef>
+          <a:fillRef idx="1">
+            <a:schemeClr val="accent1"/>
+          </a:fillRef>
+          <a:effectRef idx="0">
+            <a:schemeClr val="accent1"/>
+          </a:effectRef>
+          <a:fontRef idx="minor">
+            <a:schemeClr val="lt1"/>
+          </a:fontRef>
+        </p:style>
+        <p:txBody>
+          <a:bodyPr rtlCol="0" anchor="ctr"/>
+          <a:lstStyle/>
+          <a:p>
+            <a:pPr algn="ctr"/>
+            <a:r>
+              <a:rPr lang="en-US" dirty="0"/>
+              <a:t>Cell</a:t>
+            </a:r>
+          </a:p>
+        </p:txBody>
+      </p:sp>
+      <p:cxnSp>
+        <p:nvCxnSpPr>
+          <p:cNvPr id="6" name="Straight Connector 5">
+            <a:extLst>
+              <a:ext uri="{FF2B5EF4-FFF2-40B4-BE49-F238E27FC236}">
+                <a16:creationId xmlns:a16="http://schemas.microsoft.com/office/drawing/2014/main" id="{DAB5175B-DF91-7241-B813-7F416481E653}"/>
+              </a:ext>
+            </a:extLst>
+          </p:cNvPr>
+          <p:cNvCxnSpPr/>
+          <p:nvPr/>
+        </p:nvCxnSpPr>
+        <p:spPr>
+          <a:xfrm>
+            <a:off x="2869320" y="3908371"/>
+            <a:ext cx="0" cy="1738312"/>
+          </a:xfrm>
+          <a:prstGeom prst="line">
+            <a:avLst/>
+          </a:prstGeom>
+          <a:ln w="57150">
+            <a:solidFill>
+              <a:schemeClr val="tx2">
+                <a:lumMod val="60000"/>
+                <a:lumOff val="40000"/>
+              </a:schemeClr>
+            </a:solidFill>
+          </a:ln>
+        </p:spPr>
+        <p:style>
+          <a:lnRef idx="1">
+            <a:schemeClr val="accent1"/>
+          </a:lnRef>
+          <a:fillRef idx="0">
+            <a:schemeClr val="accent1"/>
+          </a:fillRef>
+          <a:effectRef idx="0">
+            <a:schemeClr val="accent1"/>
+          </a:effectRef>
+          <a:fontRef idx="minor">
+            <a:schemeClr val="tx1"/>
+          </a:fontRef>
+        </p:style>
+      </p:cxnSp>
+      <p:cxnSp>
+        <p:nvCxnSpPr>
+          <p:cNvPr id="7" name="Straight Connector 6">
+            <a:extLst>
+              <a:ext uri="{FF2B5EF4-FFF2-40B4-BE49-F238E27FC236}">
+                <a16:creationId xmlns:a16="http://schemas.microsoft.com/office/drawing/2014/main" id="{4889B99B-97CB-A74B-8291-06713FFB8449}"/>
+              </a:ext>
+            </a:extLst>
+          </p:cNvPr>
+          <p:cNvCxnSpPr/>
+          <p:nvPr/>
+        </p:nvCxnSpPr>
+        <p:spPr>
+          <a:xfrm>
+            <a:off x="2879831" y="1669668"/>
+            <a:ext cx="0" cy="1738312"/>
+          </a:xfrm>
+          <a:prstGeom prst="line">
+            <a:avLst/>
+          </a:prstGeom>
+          <a:ln w="57150">
+            <a:solidFill>
+              <a:schemeClr val="tx2">
+                <a:lumMod val="60000"/>
+                <a:lumOff val="40000"/>
+              </a:schemeClr>
+            </a:solidFill>
+          </a:ln>
+        </p:spPr>
+        <p:style>
+          <a:lnRef idx="1">
+            <a:schemeClr val="accent1"/>
+          </a:lnRef>
+          <a:fillRef idx="0">
+            <a:schemeClr val="accent1"/>
+          </a:fillRef>
+          <a:effectRef idx="0">
+            <a:schemeClr val="accent1"/>
+          </a:effectRef>
+          <a:fontRef idx="minor">
+            <a:schemeClr val="tx1"/>
+          </a:fontRef>
+        </p:style>
+      </p:cxnSp>
+      <p:sp>
+        <p:nvSpPr>
+          <p:cNvPr id="8" name="Rectangle 7">
+            <a:extLst>
+              <a:ext uri="{FF2B5EF4-FFF2-40B4-BE49-F238E27FC236}">
+                <a16:creationId xmlns:a16="http://schemas.microsoft.com/office/drawing/2014/main" id="{7D80AB23-EE90-CC40-AC5E-FA28F1B6F13F}"/>
+              </a:ext>
+            </a:extLst>
+          </p:cNvPr>
+          <p:cNvSpPr/>
+          <p:nvPr/>
+        </p:nvSpPr>
+        <p:spPr>
+          <a:xfrm>
+            <a:off x="4698119" y="3258207"/>
+            <a:ext cx="840799" cy="840827"/>
+          </a:xfrm>
+          <a:prstGeom prst="rect">
+            <a:avLst/>
+          </a:prstGeom>
+          <a:solidFill>
+            <a:schemeClr val="tx2">
+              <a:lumMod val="50000"/>
+            </a:schemeClr>
+          </a:solidFill>
+        </p:spPr>
+        <p:style>
+          <a:lnRef idx="2">
+            <a:schemeClr val="accent1">
+              <a:shade val="50000"/>
+            </a:schemeClr>
+          </a:lnRef>
+          <a:fillRef idx="1">
+            <a:schemeClr val="accent1"/>
+          </a:fillRef>
+          <a:effectRef idx="0">
+            <a:schemeClr val="accent1"/>
+          </a:effectRef>
+          <a:fontRef idx="minor">
+            <a:schemeClr val="lt1"/>
+          </a:fontRef>
+        </p:style>
+        <p:txBody>
+          <a:bodyPr rtlCol="0" anchor="ctr"/>
+          <a:lstStyle/>
+          <a:p>
+            <a:pPr algn="ctr"/>
+            <a:r>
+              <a:rPr lang="en-US" dirty="0"/>
+              <a:t>Lens</a:t>
+            </a:r>
+          </a:p>
+        </p:txBody>
+      </p:sp>
+      <p:cxnSp>
+        <p:nvCxnSpPr>
+          <p:cNvPr id="9" name="Straight Connector 8">
+            <a:extLst>
+              <a:ext uri="{FF2B5EF4-FFF2-40B4-BE49-F238E27FC236}">
+                <a16:creationId xmlns:a16="http://schemas.microsoft.com/office/drawing/2014/main" id="{925FC6F4-E277-E041-8F16-E15E553A62D7}"/>
+              </a:ext>
+            </a:extLst>
+          </p:cNvPr>
+          <p:cNvCxnSpPr>
+            <a:cxnSpLocks/>
+          </p:cNvCxnSpPr>
+          <p:nvPr/>
+        </p:nvCxnSpPr>
+        <p:spPr>
+          <a:xfrm>
+            <a:off x="7577954" y="4099034"/>
+            <a:ext cx="0" cy="1537138"/>
+          </a:xfrm>
+          <a:prstGeom prst="line">
+            <a:avLst/>
+          </a:prstGeom>
+          <a:ln w="57150">
+            <a:solidFill>
+              <a:schemeClr val="tx2">
+                <a:lumMod val="60000"/>
+                <a:lumOff val="40000"/>
+              </a:schemeClr>
+            </a:solidFill>
+          </a:ln>
+        </p:spPr>
+        <p:style>
+          <a:lnRef idx="1">
+            <a:schemeClr val="accent1"/>
+          </a:lnRef>
+          <a:fillRef idx="0">
+            <a:schemeClr val="accent1"/>
+          </a:fillRef>
+          <a:effectRef idx="0">
+            <a:schemeClr val="accent1"/>
+          </a:effectRef>
+          <a:fontRef idx="minor">
+            <a:schemeClr val="tx1"/>
+          </a:fontRef>
+        </p:style>
+      </p:cxnSp>
+      <p:cxnSp>
+        <p:nvCxnSpPr>
+          <p:cNvPr id="10" name="Straight Connector 9">
+            <a:extLst>
+              <a:ext uri="{FF2B5EF4-FFF2-40B4-BE49-F238E27FC236}">
+                <a16:creationId xmlns:a16="http://schemas.microsoft.com/office/drawing/2014/main" id="{B90EFB20-7DA1-E84E-9823-BAA25EBA1449}"/>
+              </a:ext>
+            </a:extLst>
+          </p:cNvPr>
+          <p:cNvCxnSpPr>
+            <a:cxnSpLocks/>
+          </p:cNvCxnSpPr>
+          <p:nvPr/>
+        </p:nvCxnSpPr>
+        <p:spPr>
+          <a:xfrm>
+            <a:off x="7588465" y="1690687"/>
+            <a:ext cx="0" cy="1444399"/>
+          </a:xfrm>
+          <a:prstGeom prst="line">
+            <a:avLst/>
+          </a:prstGeom>
+          <a:ln w="57150">
+            <a:solidFill>
+              <a:schemeClr val="tx2">
+                <a:lumMod val="60000"/>
+                <a:lumOff val="40000"/>
+              </a:schemeClr>
+            </a:solidFill>
+          </a:ln>
+        </p:spPr>
+        <p:style>
+          <a:lnRef idx="1">
+            <a:schemeClr val="accent1"/>
+          </a:lnRef>
+          <a:fillRef idx="0">
+            <a:schemeClr val="accent1"/>
+          </a:fillRef>
+          <a:effectRef idx="0">
+            <a:schemeClr val="accent1"/>
+          </a:effectRef>
+          <a:fontRef idx="minor">
+            <a:schemeClr val="tx1"/>
+          </a:fontRef>
+        </p:style>
+      </p:cxnSp>
+      <p:sp>
+        <p:nvSpPr>
+          <p:cNvPr id="11" name="Rectangle 10">
+            <a:extLst>
+              <a:ext uri="{FF2B5EF4-FFF2-40B4-BE49-F238E27FC236}">
+                <a16:creationId xmlns:a16="http://schemas.microsoft.com/office/drawing/2014/main" id="{65CEE192-CC0A-3547-8503-CD77DCCCDE73}"/>
+              </a:ext>
+            </a:extLst>
+          </p:cNvPr>
+          <p:cNvSpPr/>
+          <p:nvPr/>
+        </p:nvSpPr>
+        <p:spPr>
+          <a:xfrm>
+            <a:off x="10384216" y="3258207"/>
+            <a:ext cx="1292772" cy="840827"/>
+          </a:xfrm>
+          <a:prstGeom prst="rect">
+            <a:avLst/>
+          </a:prstGeom>
+          <a:solidFill>
+            <a:schemeClr val="tx2"/>
+          </a:solidFill>
+        </p:spPr>
+        <p:style>
+          <a:lnRef idx="2">
+            <a:schemeClr val="accent1">
+              <a:shade val="50000"/>
+            </a:schemeClr>
+          </a:lnRef>
+          <a:fillRef idx="1">
+            <a:schemeClr val="accent1"/>
+          </a:fillRef>
+          <a:effectRef idx="0">
+            <a:schemeClr val="accent1"/>
+          </a:effectRef>
+          <a:fontRef idx="minor">
+            <a:schemeClr val="lt1"/>
+          </a:fontRef>
+        </p:style>
+        <p:txBody>
+          <a:bodyPr rtlCol="0" anchor="ctr"/>
+          <a:lstStyle/>
+          <a:p>
+            <a:pPr algn="ctr"/>
+            <a:r>
+              <a:rPr lang="en-US" dirty="0"/>
+              <a:t>MOT Region</a:t>
+            </a:r>
+          </a:p>
+        </p:txBody>
+      </p:sp>
+      <p:sp>
+        <p:nvSpPr>
+          <p:cNvPr id="12" name="TextBox 11">
+            <a:extLst>
+              <a:ext uri="{FF2B5EF4-FFF2-40B4-BE49-F238E27FC236}">
+                <a16:creationId xmlns:a16="http://schemas.microsoft.com/office/drawing/2014/main" id="{D93D54EB-EFD1-6E4C-AD96-C6DFF8BA62E2}"/>
+              </a:ext>
+            </a:extLst>
+          </p:cNvPr>
+          <p:cNvSpPr txBox="1"/>
+          <p:nvPr/>
+        </p:nvSpPr>
+        <p:spPr>
+          <a:xfrm>
+            <a:off x="2900852" y="1786759"/>
+            <a:ext cx="1156121" cy="923330"/>
+          </a:xfrm>
+          <a:prstGeom prst="rect">
+            <a:avLst/>
+          </a:prstGeom>
+          <a:noFill/>
+        </p:spPr>
+        <p:txBody>
+          <a:bodyPr wrap="square" rtlCol="0">
+            <a:spAutoFit/>
           </a:bodyPr>
           <a:lstStyle/>
           <a:p>
             <a:r>
               <a:rPr lang="en-US" dirty="0"/>
-              <a:t>Yield ratio: quite high, number enhancement hovers around ~2x that of without any magnetic lens</a:t>
+              <a:t>4K Aperture,</a:t>
             </a:r>
           </a:p>
           <a:p>
             <a:r>
               <a:rPr lang="en-US" dirty="0"/>
-              <a:t>Still need to generate full heatmap with 2D scan, pipeline WIP</a:t>
-            </a:r>
-          </a:p>
-        </p:txBody>
-      </p:sp>
+              <a:t>1 cm</a:t>
+            </a:r>
+          </a:p>
+        </p:txBody>
+      </p:sp>
+      <p:sp>
+        <p:nvSpPr>
+          <p:cNvPr id="13" name="TextBox 12">
+            <a:extLst>
+              <a:ext uri="{FF2B5EF4-FFF2-40B4-BE49-F238E27FC236}">
+                <a16:creationId xmlns:a16="http://schemas.microsoft.com/office/drawing/2014/main" id="{C0CCEC76-B20B-884C-ADD3-1466EF0E4DA6}"/>
+              </a:ext>
+            </a:extLst>
+          </p:cNvPr>
+          <p:cNvSpPr txBox="1"/>
+          <p:nvPr/>
+        </p:nvSpPr>
+        <p:spPr>
+          <a:xfrm>
+            <a:off x="7609489" y="1797270"/>
+            <a:ext cx="1156121" cy="923330"/>
+          </a:xfrm>
+          <a:prstGeom prst="rect">
+            <a:avLst/>
+          </a:prstGeom>
+          <a:noFill/>
+        </p:spPr>
+        <p:txBody>
+          <a:bodyPr wrap="square" rtlCol="0">
+            <a:spAutoFit/>
+          </a:bodyPr>
+          <a:lstStyle/>
+          <a:p>
+            <a:r>
+              <a:rPr lang="en-US" dirty="0"/>
+              <a:t>Beam Shutter,</a:t>
+            </a:r>
+          </a:p>
+          <a:p>
+            <a:r>
+              <a:rPr lang="en-US" dirty="0"/>
+              <a:t>1.4 cm</a:t>
+            </a:r>
+          </a:p>
+        </p:txBody>
+      </p:sp>
+      <p:cxnSp>
+        <p:nvCxnSpPr>
+          <p:cNvPr id="15" name="Straight Arrow Connector 14">
+            <a:extLst>
+              <a:ext uri="{FF2B5EF4-FFF2-40B4-BE49-F238E27FC236}">
+                <a16:creationId xmlns:a16="http://schemas.microsoft.com/office/drawing/2014/main" id="{CD88B708-A705-1440-9B42-F9F62BE72DE8}"/>
+              </a:ext>
+            </a:extLst>
+          </p:cNvPr>
+          <p:cNvCxnSpPr>
+            <a:cxnSpLocks/>
+            <a:stCxn id="4" idx="3"/>
+          </p:cNvCxnSpPr>
+          <p:nvPr/>
+        </p:nvCxnSpPr>
+        <p:spPr>
+          <a:xfrm>
+            <a:off x="1566038" y="3678621"/>
+            <a:ext cx="1313793" cy="0"/>
+          </a:xfrm>
+          <a:prstGeom prst="straightConnector1">
+            <a:avLst/>
+          </a:prstGeom>
+          <a:ln>
+            <a:headEnd type="triangle"/>
+            <a:tailEnd type="triangle"/>
+          </a:ln>
+        </p:spPr>
+        <p:style>
+          <a:lnRef idx="1">
+            <a:schemeClr val="accent1"/>
+          </a:lnRef>
+          <a:fillRef idx="0">
+            <a:schemeClr val="accent1"/>
+          </a:fillRef>
+          <a:effectRef idx="0">
+            <a:schemeClr val="accent1"/>
+          </a:effectRef>
+          <a:fontRef idx="minor">
+            <a:schemeClr val="tx1"/>
+          </a:fontRef>
+        </p:style>
+      </p:cxnSp>
+      <p:sp>
+        <p:nvSpPr>
+          <p:cNvPr id="16" name="TextBox 15">
+            <a:extLst>
+              <a:ext uri="{FF2B5EF4-FFF2-40B4-BE49-F238E27FC236}">
+                <a16:creationId xmlns:a16="http://schemas.microsoft.com/office/drawing/2014/main" id="{11BAF27D-CF48-F543-9CDA-C6380D1C65A6}"/>
+              </a:ext>
+            </a:extLst>
+          </p:cNvPr>
+          <p:cNvSpPr txBox="1"/>
+          <p:nvPr/>
+        </p:nvSpPr>
+        <p:spPr>
+          <a:xfrm>
+            <a:off x="1855068" y="3369145"/>
+            <a:ext cx="840801" cy="369332"/>
+          </a:xfrm>
+          <a:prstGeom prst="rect">
+            <a:avLst/>
+          </a:prstGeom>
+          <a:noFill/>
+        </p:spPr>
+        <p:txBody>
+          <a:bodyPr wrap="square" rtlCol="0">
+            <a:spAutoFit/>
+          </a:bodyPr>
+          <a:lstStyle/>
+          <a:p>
+            <a:r>
+              <a:rPr lang="en-US" dirty="0"/>
+              <a:t> 10 cm</a:t>
+            </a:r>
+          </a:p>
+        </p:txBody>
+      </p:sp>
+      <p:cxnSp>
+        <p:nvCxnSpPr>
+          <p:cNvPr id="20" name="Straight Arrow Connector 19">
+            <a:extLst>
+              <a:ext uri="{FF2B5EF4-FFF2-40B4-BE49-F238E27FC236}">
+                <a16:creationId xmlns:a16="http://schemas.microsoft.com/office/drawing/2014/main" id="{CBB309B8-E214-4C4D-BFB4-6FF82FFC4D0A}"/>
+              </a:ext>
+            </a:extLst>
+          </p:cNvPr>
+          <p:cNvCxnSpPr>
+            <a:cxnSpLocks/>
+            <a:stCxn id="8" idx="3"/>
+            <a:endCxn id="11" idx="1"/>
+          </p:cNvCxnSpPr>
+          <p:nvPr/>
+        </p:nvCxnSpPr>
+        <p:spPr>
+          <a:xfrm>
+            <a:off x="5538918" y="3678621"/>
+            <a:ext cx="4845298" cy="0"/>
+          </a:xfrm>
+          <a:prstGeom prst="straightConnector1">
+            <a:avLst/>
+          </a:prstGeom>
+          <a:ln>
+            <a:headEnd type="triangle"/>
+            <a:tailEnd type="triangle"/>
+          </a:ln>
+        </p:spPr>
+        <p:style>
+          <a:lnRef idx="1">
+            <a:schemeClr val="accent1"/>
+          </a:lnRef>
+          <a:fillRef idx="0">
+            <a:schemeClr val="accent1"/>
+          </a:fillRef>
+          <a:effectRef idx="0">
+            <a:schemeClr val="accent1"/>
+          </a:effectRef>
+          <a:fontRef idx="minor">
+            <a:schemeClr val="tx1"/>
+          </a:fontRef>
+        </p:style>
+      </p:cxnSp>
+      <p:sp>
+        <p:nvSpPr>
+          <p:cNvPr id="21" name="TextBox 20">
+            <a:extLst>
+              <a:ext uri="{FF2B5EF4-FFF2-40B4-BE49-F238E27FC236}">
+                <a16:creationId xmlns:a16="http://schemas.microsoft.com/office/drawing/2014/main" id="{2EF2960E-5057-FD4E-A939-48B0A8F32F79}"/>
+              </a:ext>
+            </a:extLst>
+          </p:cNvPr>
+          <p:cNvSpPr txBox="1"/>
+          <p:nvPr/>
+        </p:nvSpPr>
+        <p:spPr>
+          <a:xfrm>
+            <a:off x="4666598" y="2685973"/>
+            <a:ext cx="987964" cy="369332"/>
+          </a:xfrm>
+          <a:prstGeom prst="rect">
+            <a:avLst/>
+          </a:prstGeom>
+          <a:noFill/>
+        </p:spPr>
+        <p:txBody>
+          <a:bodyPr wrap="square" rtlCol="0">
+            <a:spAutoFit/>
+          </a:bodyPr>
+          <a:lstStyle/>
+          <a:p>
+            <a:r>
+              <a:rPr lang="en-US" dirty="0"/>
+              <a:t>2.54 cm</a:t>
+            </a:r>
+          </a:p>
+        </p:txBody>
+      </p:sp>
+      <p:cxnSp>
+        <p:nvCxnSpPr>
+          <p:cNvPr id="22" name="Straight Arrow Connector 21">
+            <a:extLst>
+              <a:ext uri="{FF2B5EF4-FFF2-40B4-BE49-F238E27FC236}">
+                <a16:creationId xmlns:a16="http://schemas.microsoft.com/office/drawing/2014/main" id="{C26CEE9B-2528-C042-A9F8-8C692E10D891}"/>
+              </a:ext>
+            </a:extLst>
+          </p:cNvPr>
+          <p:cNvCxnSpPr>
+            <a:cxnSpLocks/>
+          </p:cNvCxnSpPr>
+          <p:nvPr/>
+        </p:nvCxnSpPr>
+        <p:spPr>
+          <a:xfrm>
+            <a:off x="4698101" y="3016469"/>
+            <a:ext cx="840817" cy="0"/>
+          </a:xfrm>
+          <a:prstGeom prst="straightConnector1">
+            <a:avLst/>
+          </a:prstGeom>
+          <a:ln>
+            <a:headEnd type="triangle"/>
+            <a:tailEnd type="triangle"/>
+          </a:ln>
+        </p:spPr>
+        <p:style>
+          <a:lnRef idx="1">
+            <a:schemeClr val="accent1"/>
+          </a:lnRef>
+          <a:fillRef idx="0">
+            <a:schemeClr val="accent1"/>
+          </a:fillRef>
+          <a:effectRef idx="0">
+            <a:schemeClr val="accent1"/>
+          </a:effectRef>
+          <a:fontRef idx="minor">
+            <a:schemeClr val="tx1"/>
+          </a:fontRef>
+        </p:style>
+      </p:cxnSp>
+      <p:sp>
+        <p:nvSpPr>
+          <p:cNvPr id="25" name="TextBox 24">
+            <a:extLst>
+              <a:ext uri="{FF2B5EF4-FFF2-40B4-BE49-F238E27FC236}">
+                <a16:creationId xmlns:a16="http://schemas.microsoft.com/office/drawing/2014/main" id="{9D6B92D4-7EBF-A74B-98B0-BD10C71270BD}"/>
+              </a:ext>
+            </a:extLst>
+          </p:cNvPr>
+          <p:cNvSpPr txBox="1"/>
+          <p:nvPr/>
+        </p:nvSpPr>
+        <p:spPr>
+          <a:xfrm>
+            <a:off x="7241628" y="3369145"/>
+            <a:ext cx="987964" cy="369332"/>
+          </a:xfrm>
+          <a:prstGeom prst="rect">
+            <a:avLst/>
+          </a:prstGeom>
+          <a:noFill/>
+        </p:spPr>
+        <p:txBody>
+          <a:bodyPr wrap="square" rtlCol="0">
+            <a:spAutoFit/>
+          </a:bodyPr>
+          <a:lstStyle/>
+          <a:p>
+            <a:r>
+              <a:rPr lang="en-US" dirty="0"/>
+              <a:t>32 cm</a:t>
+            </a:r>
+          </a:p>
+        </p:txBody>
+      </p:sp>
+      <p:cxnSp>
+        <p:nvCxnSpPr>
+          <p:cNvPr id="19" name="Straight Arrow Connector 18">
+            <a:extLst>
+              <a:ext uri="{FF2B5EF4-FFF2-40B4-BE49-F238E27FC236}">
+                <a16:creationId xmlns:a16="http://schemas.microsoft.com/office/drawing/2014/main" id="{4062CB9C-99C4-0943-818A-5FF1FA7357FF}"/>
+              </a:ext>
+            </a:extLst>
+          </p:cNvPr>
+          <p:cNvCxnSpPr>
+            <a:cxnSpLocks/>
+            <a:endCxn id="8" idx="1"/>
+          </p:cNvCxnSpPr>
+          <p:nvPr/>
+        </p:nvCxnSpPr>
+        <p:spPr>
+          <a:xfrm>
+            <a:off x="2861438" y="3678621"/>
+            <a:ext cx="1836681" cy="0"/>
+          </a:xfrm>
+          <a:prstGeom prst="straightConnector1">
+            <a:avLst/>
+          </a:prstGeom>
+          <a:ln>
+            <a:headEnd type="triangle"/>
+            <a:tailEnd type="triangle"/>
+          </a:ln>
+        </p:spPr>
+        <p:style>
+          <a:lnRef idx="1">
+            <a:schemeClr val="accent1"/>
+          </a:lnRef>
+          <a:fillRef idx="0">
+            <a:schemeClr val="accent1"/>
+          </a:fillRef>
+          <a:effectRef idx="0">
+            <a:schemeClr val="accent1"/>
+          </a:effectRef>
+          <a:fontRef idx="minor">
+            <a:schemeClr val="tx1"/>
+          </a:fontRef>
+        </p:style>
+      </p:cxnSp>
+      <p:sp>
+        <p:nvSpPr>
+          <p:cNvPr id="23" name="TextBox 22">
+            <a:extLst>
+              <a:ext uri="{FF2B5EF4-FFF2-40B4-BE49-F238E27FC236}">
+                <a16:creationId xmlns:a16="http://schemas.microsoft.com/office/drawing/2014/main" id="{431930E3-EBE5-9245-BC67-6A9A95E99C22}"/>
+              </a:ext>
+            </a:extLst>
+          </p:cNvPr>
+          <p:cNvSpPr txBox="1"/>
+          <p:nvPr/>
+        </p:nvSpPr>
+        <p:spPr>
+          <a:xfrm>
+            <a:off x="3375843" y="3369145"/>
+            <a:ext cx="840801" cy="369332"/>
+          </a:xfrm>
+          <a:prstGeom prst="rect">
+            <a:avLst/>
+          </a:prstGeom>
+          <a:noFill/>
+        </p:spPr>
+        <p:txBody>
+          <a:bodyPr wrap="square" rtlCol="0">
+            <a:spAutoFit/>
+          </a:bodyPr>
+          <a:lstStyle/>
+          <a:p>
+            <a:pPr algn="ctr"/>
+            <a:r>
+              <a:rPr lang="en-US" b="1" dirty="0">
+                <a:solidFill>
+                  <a:schemeClr val="accent4"/>
+                </a:solidFill>
+              </a:rPr>
+              <a:t>30 cm</a:t>
+            </a:r>
+          </a:p>
+        </p:txBody>
+      </p:sp>
+      <p:cxnSp>
+        <p:nvCxnSpPr>
+          <p:cNvPr id="5" name="Straight Arrow Connector 4">
+            <a:extLst>
+              <a:ext uri="{FF2B5EF4-FFF2-40B4-BE49-F238E27FC236}">
+                <a16:creationId xmlns:a16="http://schemas.microsoft.com/office/drawing/2014/main" id="{E2223631-6379-0E46-BD2A-F8E0057754B2}"/>
+              </a:ext>
+            </a:extLst>
+          </p:cNvPr>
+          <p:cNvCxnSpPr>
+            <a:cxnSpLocks/>
+          </p:cNvCxnSpPr>
+          <p:nvPr/>
+        </p:nvCxnSpPr>
+        <p:spPr>
+          <a:xfrm flipH="1">
+            <a:off x="3200403" y="4779267"/>
+            <a:ext cx="1466195" cy="0"/>
+          </a:xfrm>
+          <a:prstGeom prst="straightConnector1">
+            <a:avLst/>
+          </a:prstGeom>
+          <a:ln w="57150">
+            <a:solidFill>
+              <a:schemeClr val="accent4"/>
+            </a:solidFill>
+            <a:tailEnd type="triangle"/>
+          </a:ln>
+        </p:spPr>
+        <p:style>
+          <a:lnRef idx="1">
+            <a:schemeClr val="accent1"/>
+          </a:lnRef>
+          <a:fillRef idx="0">
+            <a:schemeClr val="accent1"/>
+          </a:fillRef>
+          <a:effectRef idx="0">
+            <a:schemeClr val="accent1"/>
+          </a:effectRef>
+          <a:fontRef idx="minor">
+            <a:schemeClr val="tx1"/>
+          </a:fontRef>
+        </p:style>
+      </p:cxnSp>
+      <p:sp>
+        <p:nvSpPr>
+          <p:cNvPr id="26" name="TextBox 25">
+            <a:extLst>
+              <a:ext uri="{FF2B5EF4-FFF2-40B4-BE49-F238E27FC236}">
+                <a16:creationId xmlns:a16="http://schemas.microsoft.com/office/drawing/2014/main" id="{E344111B-8882-EA4E-ABAC-82C6ECCB0E4F}"/>
+              </a:ext>
+            </a:extLst>
+          </p:cNvPr>
+          <p:cNvSpPr txBox="1"/>
+          <p:nvPr/>
+        </p:nvSpPr>
+        <p:spPr>
+          <a:xfrm>
+            <a:off x="3940192" y="4897537"/>
+            <a:ext cx="2887098" cy="369332"/>
+          </a:xfrm>
+          <a:prstGeom prst="rect">
+            <a:avLst/>
+          </a:prstGeom>
+          <a:noFill/>
+        </p:spPr>
+        <p:txBody>
+          <a:bodyPr wrap="square" rtlCol="0">
+            <a:spAutoFit/>
+          </a:bodyPr>
+          <a:lstStyle/>
+          <a:p>
+            <a:pPr algn="ctr"/>
+            <a:r>
+              <a:rPr lang="en-US" b="1" dirty="0">
+                <a:solidFill>
+                  <a:schemeClr val="accent4"/>
+                </a:solidFill>
+              </a:rPr>
+              <a:t>Constant Deceleration</a:t>
+            </a:r>
+          </a:p>
+        </p:txBody>
+      </p:sp>
+      <p:cxnSp>
+        <p:nvCxnSpPr>
+          <p:cNvPr id="28" name="Straight Arrow Connector 27">
+            <a:extLst>
+              <a:ext uri="{FF2B5EF4-FFF2-40B4-BE49-F238E27FC236}">
+                <a16:creationId xmlns:a16="http://schemas.microsoft.com/office/drawing/2014/main" id="{B3A3EA8E-3AC6-0B47-BC7A-5524DF2972C5}"/>
+              </a:ext>
+            </a:extLst>
+          </p:cNvPr>
+          <p:cNvCxnSpPr>
+            <a:cxnSpLocks/>
+          </p:cNvCxnSpPr>
+          <p:nvPr/>
+        </p:nvCxnSpPr>
+        <p:spPr>
+          <a:xfrm flipH="1">
+            <a:off x="5538918" y="4779267"/>
+            <a:ext cx="1819825" cy="0"/>
+          </a:xfrm>
+          <a:prstGeom prst="straightConnector1">
+            <a:avLst/>
+          </a:prstGeom>
+          <a:ln w="57150">
+            <a:solidFill>
+              <a:schemeClr val="accent4"/>
+            </a:solidFill>
+            <a:tailEnd type="triangle"/>
+          </a:ln>
+        </p:spPr>
+        <p:style>
+          <a:lnRef idx="1">
+            <a:schemeClr val="accent1"/>
+          </a:lnRef>
+          <a:fillRef idx="0">
+            <a:schemeClr val="accent1"/>
+          </a:fillRef>
+          <a:effectRef idx="0">
+            <a:schemeClr val="accent1"/>
+          </a:effectRef>
+          <a:fontRef idx="minor">
+            <a:schemeClr val="tx1"/>
+          </a:fontRef>
+        </p:style>
+      </p:cxnSp>
     </p:spTree>
     <p:extLst>
       <p:ext uri="{BB962C8B-B14F-4D97-AF65-F5344CB8AC3E}">
-        <p14:creationId xmlns:p14="http://schemas.microsoft.com/office/powerpoint/2010/main" val="3045589807"/>
+        <p14:creationId xmlns:p14="http://schemas.microsoft.com/office/powerpoint/2010/main" val="2577962152"/>
       </p:ext>
     </p:extLst>
   </p:cSld>
